--- a/src/assets/deck/Corexa Pitch Deck.pptx
+++ b/src/assets/deck/Corexa Pitch Deck.pptx
@@ -117,15 +117,15 @@
 </file>
 
 <file path=ppt/diagrams/colors1.xml><?xml version="1.0" encoding="utf-8"?>
-<dgm:colorsDef xmlns:dgm="http://schemas.openxmlformats.org/drawingml/2006/diagram" xmlns:a="http://schemas.openxmlformats.org/drawingml/2006/main" uniqueId="urn:microsoft.com/office/officeart/2005/8/colors/accent1_2">
+<dgm:colorsDef xmlns:dgm="http://schemas.openxmlformats.org/drawingml/2006/diagram" xmlns:a="http://schemas.openxmlformats.org/drawingml/2006/main" uniqueId="urn:microsoft.com/office/officeart/2005/8/colors/accent2_2">
   <dgm:title val=""/>
   <dgm:desc val=""/>
   <dgm:catLst>
-    <dgm:cat type="accent1" pri="11200"/>
+    <dgm:cat type="accent2" pri="11200"/>
   </dgm:catLst>
   <dgm:styleLbl name="node0">
     <dgm:fillClrLst meth="repeat">
-      <a:schemeClr val="accent1"/>
+      <a:schemeClr val="accent2"/>
     </dgm:fillClrLst>
     <dgm:linClrLst meth="repeat">
       <a:schemeClr val="lt1"/>
@@ -135,21 +135,9 @@
     <dgm:txFillClrLst/>
     <dgm:txEffectClrLst/>
   </dgm:styleLbl>
-  <dgm:styleLbl name="alignNode1">
-    <dgm:fillClrLst meth="repeat">
-      <a:schemeClr val="accent1"/>
-    </dgm:fillClrLst>
-    <dgm:linClrLst meth="repeat">
-      <a:schemeClr val="accent1"/>
-    </dgm:linClrLst>
-    <dgm:effectClrLst/>
-    <dgm:txLinClrLst/>
-    <dgm:txFillClrLst/>
-    <dgm:txEffectClrLst/>
-  </dgm:styleLbl>
   <dgm:styleLbl name="node1">
     <dgm:fillClrLst meth="repeat">
-      <a:schemeClr val="accent1"/>
+      <a:schemeClr val="accent2"/>
     </dgm:fillClrLst>
     <dgm:linClrLst meth="repeat">
       <a:schemeClr val="lt1"/>
@@ -159,9 +147,21 @@
     <dgm:txFillClrLst/>
     <dgm:txEffectClrLst/>
   </dgm:styleLbl>
+  <dgm:styleLbl name="alignNode1">
+    <dgm:fillClrLst meth="repeat">
+      <a:schemeClr val="accent2"/>
+    </dgm:fillClrLst>
+    <dgm:linClrLst meth="repeat">
+      <a:schemeClr val="accent2"/>
+    </dgm:linClrLst>
+    <dgm:effectClrLst/>
+    <dgm:txLinClrLst/>
+    <dgm:txFillClrLst/>
+    <dgm:txEffectClrLst/>
+  </dgm:styleLbl>
   <dgm:styleLbl name="lnNode1">
     <dgm:fillClrLst meth="repeat">
-      <a:schemeClr val="accent1"/>
+      <a:schemeClr val="accent2"/>
     </dgm:fillClrLst>
     <dgm:linClrLst meth="repeat">
       <a:schemeClr val="lt1"/>
@@ -173,7 +173,7 @@
   </dgm:styleLbl>
   <dgm:styleLbl name="vennNode1">
     <dgm:fillClrLst meth="repeat">
-      <a:schemeClr val="accent1">
+      <a:schemeClr val="accent2">
         <a:alpha val="50000"/>
       </a:schemeClr>
     </dgm:fillClrLst>
@@ -187,7 +187,7 @@
   </dgm:styleLbl>
   <dgm:styleLbl name="node2">
     <dgm:fillClrLst meth="repeat">
-      <a:schemeClr val="accent1"/>
+      <a:schemeClr val="accent2"/>
     </dgm:fillClrLst>
     <dgm:linClrLst meth="repeat">
       <a:schemeClr val="lt1"/>
@@ -199,7 +199,7 @@
   </dgm:styleLbl>
   <dgm:styleLbl name="node3">
     <dgm:fillClrLst meth="repeat">
-      <a:schemeClr val="accent1"/>
+      <a:schemeClr val="accent2"/>
     </dgm:fillClrLst>
     <dgm:linClrLst meth="repeat">
       <a:schemeClr val="lt1"/>
@@ -211,7 +211,7 @@
   </dgm:styleLbl>
   <dgm:styleLbl name="node4">
     <dgm:fillClrLst meth="repeat">
-      <a:schemeClr val="accent1"/>
+      <a:schemeClr val="accent2"/>
     </dgm:fillClrLst>
     <dgm:linClrLst meth="repeat">
       <a:schemeClr val="lt1"/>
@@ -223,7 +223,7 @@
   </dgm:styleLbl>
   <dgm:styleLbl name="fgImgPlace1">
     <dgm:fillClrLst meth="repeat">
-      <a:schemeClr val="accent1">
+      <a:schemeClr val="accent2">
         <a:tint val="50000"/>
       </a:schemeClr>
     </dgm:fillClrLst>
@@ -239,7 +239,7 @@
   </dgm:styleLbl>
   <dgm:styleLbl name="alignImgPlace1">
     <dgm:fillClrLst meth="repeat">
-      <a:schemeClr val="accent1">
+      <a:schemeClr val="accent2">
         <a:tint val="50000"/>
       </a:schemeClr>
     </dgm:fillClrLst>
@@ -255,7 +255,7 @@
   </dgm:styleLbl>
   <dgm:styleLbl name="bgImgPlace1">
     <dgm:fillClrLst meth="repeat">
-      <a:schemeClr val="accent1">
+      <a:schemeClr val="accent2">
         <a:tint val="50000"/>
       </a:schemeClr>
     </dgm:fillClrLst>
@@ -271,12 +271,12 @@
   </dgm:styleLbl>
   <dgm:styleLbl name="sibTrans2D1">
     <dgm:fillClrLst meth="repeat">
-      <a:schemeClr val="accent1">
+      <a:schemeClr val="accent2">
         <a:tint val="60000"/>
       </a:schemeClr>
     </dgm:fillClrLst>
     <dgm:linClrLst meth="repeat">
-      <a:schemeClr val="accent1">
+      <a:schemeClr val="accent2">
         <a:tint val="60000"/>
       </a:schemeClr>
     </dgm:linClrLst>
@@ -287,12 +287,12 @@
   </dgm:styleLbl>
   <dgm:styleLbl name="fgSibTrans2D1">
     <dgm:fillClrLst meth="repeat">
-      <a:schemeClr val="accent1">
+      <a:schemeClr val="accent2">
         <a:tint val="60000"/>
       </a:schemeClr>
     </dgm:fillClrLst>
     <dgm:linClrLst meth="repeat">
-      <a:schemeClr val="accent1">
+      <a:schemeClr val="accent2">
         <a:tint val="60000"/>
       </a:schemeClr>
     </dgm:linClrLst>
@@ -303,12 +303,12 @@
   </dgm:styleLbl>
   <dgm:styleLbl name="bgSibTrans2D1">
     <dgm:fillClrLst meth="repeat">
-      <a:schemeClr val="accent1">
+      <a:schemeClr val="accent2">
         <a:tint val="60000"/>
       </a:schemeClr>
     </dgm:fillClrLst>
     <dgm:linClrLst meth="repeat">
-      <a:schemeClr val="accent1">
+      <a:schemeClr val="accent2">
         <a:tint val="60000"/>
       </a:schemeClr>
     </dgm:linClrLst>
@@ -319,10 +319,10 @@
   </dgm:styleLbl>
   <dgm:styleLbl name="sibTrans1D1">
     <dgm:fillClrLst meth="repeat">
-      <a:schemeClr val="accent1"/>
+      <a:schemeClr val="accent2"/>
     </dgm:fillClrLst>
     <dgm:linClrLst meth="repeat">
-      <a:schemeClr val="accent1"/>
+      <a:schemeClr val="accent2"/>
     </dgm:linClrLst>
     <dgm:effectClrLst/>
     <dgm:txLinClrLst/>
@@ -333,10 +333,10 @@
   </dgm:styleLbl>
   <dgm:styleLbl name="callout">
     <dgm:fillClrLst meth="repeat">
-      <a:schemeClr val="accent1"/>
+      <a:schemeClr val="accent2"/>
     </dgm:fillClrLst>
     <dgm:linClrLst meth="repeat">
-      <a:schemeClr val="accent1">
+      <a:schemeClr val="accent2">
         <a:tint val="50000"/>
       </a:schemeClr>
     </dgm:linClrLst>
@@ -349,7 +349,7 @@
   </dgm:styleLbl>
   <dgm:styleLbl name="asst0">
     <dgm:fillClrLst meth="repeat">
-      <a:schemeClr val="accent1"/>
+      <a:schemeClr val="accent2"/>
     </dgm:fillClrLst>
     <dgm:linClrLst meth="repeat">
       <a:schemeClr val="lt1"/>
@@ -361,7 +361,7 @@
   </dgm:styleLbl>
   <dgm:styleLbl name="asst1">
     <dgm:fillClrLst meth="repeat">
-      <a:schemeClr val="accent1"/>
+      <a:schemeClr val="accent2"/>
     </dgm:fillClrLst>
     <dgm:linClrLst meth="repeat">
       <a:schemeClr val="lt1"/>
@@ -373,7 +373,7 @@
   </dgm:styleLbl>
   <dgm:styleLbl name="asst2">
     <dgm:fillClrLst meth="repeat">
-      <a:schemeClr val="accent1"/>
+      <a:schemeClr val="accent2"/>
     </dgm:fillClrLst>
     <dgm:linClrLst meth="repeat">
       <a:schemeClr val="lt1"/>
@@ -385,7 +385,7 @@
   </dgm:styleLbl>
   <dgm:styleLbl name="asst3">
     <dgm:fillClrLst meth="repeat">
-      <a:schemeClr val="accent1"/>
+      <a:schemeClr val="accent2"/>
     </dgm:fillClrLst>
     <dgm:linClrLst meth="repeat">
       <a:schemeClr val="lt1"/>
@@ -397,7 +397,7 @@
   </dgm:styleLbl>
   <dgm:styleLbl name="asst4">
     <dgm:fillClrLst meth="repeat">
-      <a:schemeClr val="accent1"/>
+      <a:schemeClr val="accent2"/>
     </dgm:fillClrLst>
     <dgm:linClrLst meth="repeat">
       <a:schemeClr val="lt1"/>
@@ -409,12 +409,12 @@
   </dgm:styleLbl>
   <dgm:styleLbl name="parChTrans2D1">
     <dgm:fillClrLst meth="repeat">
-      <a:schemeClr val="accent1">
+      <a:schemeClr val="accent2">
         <a:tint val="60000"/>
       </a:schemeClr>
     </dgm:fillClrLst>
     <dgm:linClrLst meth="repeat">
-      <a:schemeClr val="accent1">
+      <a:schemeClr val="accent2">
         <a:tint val="60000"/>
       </a:schemeClr>
     </dgm:linClrLst>
@@ -427,10 +427,10 @@
   </dgm:styleLbl>
   <dgm:styleLbl name="parChTrans2D2">
     <dgm:fillClrLst meth="repeat">
-      <a:schemeClr val="accent1"/>
+      <a:schemeClr val="accent2"/>
     </dgm:fillClrLst>
     <dgm:linClrLst meth="repeat">
-      <a:schemeClr val="accent1"/>
+      <a:schemeClr val="accent2"/>
     </dgm:linClrLst>
     <dgm:effectClrLst/>
     <dgm:txLinClrLst/>
@@ -441,10 +441,10 @@
   </dgm:styleLbl>
   <dgm:styleLbl name="parChTrans2D3">
     <dgm:fillClrLst meth="repeat">
-      <a:schemeClr val="accent1"/>
+      <a:schemeClr val="accent2"/>
     </dgm:fillClrLst>
     <dgm:linClrLst meth="repeat">
-      <a:schemeClr val="accent1"/>
+      <a:schemeClr val="accent2"/>
     </dgm:linClrLst>
     <dgm:effectClrLst/>
     <dgm:txLinClrLst/>
@@ -455,10 +455,10 @@
   </dgm:styleLbl>
   <dgm:styleLbl name="parChTrans2D4">
     <dgm:fillClrLst meth="repeat">
-      <a:schemeClr val="accent1"/>
+      <a:schemeClr val="accent2"/>
     </dgm:fillClrLst>
     <dgm:linClrLst meth="repeat">
-      <a:schemeClr val="accent1"/>
+      <a:schemeClr val="accent2"/>
     </dgm:linClrLst>
     <dgm:effectClrLst/>
     <dgm:txLinClrLst/>
@@ -469,10 +469,10 @@
   </dgm:styleLbl>
   <dgm:styleLbl name="parChTrans1D1">
     <dgm:fillClrLst meth="repeat">
-      <a:schemeClr val="accent1"/>
+      <a:schemeClr val="accent2"/>
     </dgm:fillClrLst>
     <dgm:linClrLst meth="repeat">
-      <a:schemeClr val="accent1">
+      <a:schemeClr val="accent2">
         <a:shade val="60000"/>
       </a:schemeClr>
     </dgm:linClrLst>
@@ -485,10 +485,10 @@
   </dgm:styleLbl>
   <dgm:styleLbl name="parChTrans1D2">
     <dgm:fillClrLst meth="repeat">
-      <a:schemeClr val="accent1"/>
+      <a:schemeClr val="accent2"/>
     </dgm:fillClrLst>
     <dgm:linClrLst meth="repeat">
-      <a:schemeClr val="accent1">
+      <a:schemeClr val="accent2">
         <a:shade val="60000"/>
       </a:schemeClr>
     </dgm:linClrLst>
@@ -501,10 +501,10 @@
   </dgm:styleLbl>
   <dgm:styleLbl name="parChTrans1D3">
     <dgm:fillClrLst meth="repeat">
-      <a:schemeClr val="accent1"/>
+      <a:schemeClr val="accent2"/>
     </dgm:fillClrLst>
     <dgm:linClrLst meth="repeat">
-      <a:schemeClr val="accent1">
+      <a:schemeClr val="accent2">
         <a:shade val="80000"/>
       </a:schemeClr>
     </dgm:linClrLst>
@@ -517,10 +517,10 @@
   </dgm:styleLbl>
   <dgm:styleLbl name="parChTrans1D4">
     <dgm:fillClrLst meth="repeat">
-      <a:schemeClr val="accent1"/>
+      <a:schemeClr val="accent2"/>
     </dgm:fillClrLst>
     <dgm:linClrLst meth="repeat">
-      <a:schemeClr val="accent1">
+      <a:schemeClr val="accent2">
         <a:shade val="80000"/>
       </a:schemeClr>
     </dgm:linClrLst>
@@ -538,7 +538,7 @@
       </a:schemeClr>
     </dgm:fillClrLst>
     <dgm:linClrLst meth="repeat">
-      <a:schemeClr val="accent1"/>
+      <a:schemeClr val="accent2"/>
     </dgm:linClrLst>
     <dgm:effectClrLst/>
     <dgm:txLinClrLst/>
@@ -554,7 +554,7 @@
       </a:schemeClr>
     </dgm:fillClrLst>
     <dgm:linClrLst meth="repeat">
-      <a:schemeClr val="accent1"/>
+      <a:schemeClr val="accent2"/>
     </dgm:linClrLst>
     <dgm:effectClrLst/>
     <dgm:txLinClrLst/>
@@ -570,7 +570,7 @@
       </a:schemeClr>
     </dgm:fillClrLst>
     <dgm:linClrLst meth="repeat">
-      <a:schemeClr val="accent1"/>
+      <a:schemeClr val="accent2"/>
     </dgm:linClrLst>
     <dgm:effectClrLst/>
     <dgm:txLinClrLst/>
@@ -586,7 +586,7 @@
       </a:schemeClr>
     </dgm:fillClrLst>
     <dgm:linClrLst meth="repeat">
-      <a:schemeClr val="accent1"/>
+      <a:schemeClr val="accent2"/>
     </dgm:linClrLst>
     <dgm:effectClrLst/>
     <dgm:txLinClrLst/>
@@ -602,7 +602,7 @@
       </a:schemeClr>
     </dgm:fillClrLst>
     <dgm:linClrLst meth="repeat">
-      <a:schemeClr val="accent1"/>
+      <a:schemeClr val="accent2"/>
     </dgm:linClrLst>
     <dgm:effectClrLst/>
     <dgm:txLinClrLst/>
@@ -616,7 +616,7 @@
       <a:schemeClr val="lt1"/>
     </dgm:fillClrLst>
     <dgm:linClrLst meth="repeat">
-      <a:schemeClr val="accent1"/>
+      <a:schemeClr val="accent2"/>
     </dgm:linClrLst>
     <dgm:effectClrLst/>
     <dgm:txLinClrLst/>
@@ -630,7 +630,7 @@
       <a:schemeClr val="lt1"/>
     </dgm:fillClrLst>
     <dgm:linClrLst meth="repeat">
-      <a:schemeClr val="accent1"/>
+      <a:schemeClr val="accent2"/>
     </dgm:linClrLst>
     <dgm:effectClrLst/>
     <dgm:txLinClrLst/>
@@ -644,7 +644,7 @@
       <a:schemeClr val="lt1"/>
     </dgm:fillClrLst>
     <dgm:linClrLst meth="repeat">
-      <a:schemeClr val="accent1"/>
+      <a:schemeClr val="accent2"/>
     </dgm:linClrLst>
     <dgm:effectClrLst/>
     <dgm:txLinClrLst/>
@@ -655,13 +655,13 @@
   </dgm:styleLbl>
   <dgm:styleLbl name="fgAccFollowNode1">
     <dgm:fillClrLst meth="repeat">
-      <a:schemeClr val="accent1">
+      <a:schemeClr val="accent2">
         <a:alpha val="90000"/>
         <a:tint val="40000"/>
       </a:schemeClr>
     </dgm:fillClrLst>
     <dgm:linClrLst meth="repeat">
-      <a:schemeClr val="accent1">
+      <a:schemeClr val="accent2">
         <a:alpha val="90000"/>
         <a:tint val="40000"/>
       </a:schemeClr>
@@ -675,13 +675,13 @@
   </dgm:styleLbl>
   <dgm:styleLbl name="alignAccFollowNode1">
     <dgm:fillClrLst meth="repeat">
-      <a:schemeClr val="accent1">
+      <a:schemeClr val="accent2">
         <a:alpha val="90000"/>
         <a:tint val="40000"/>
       </a:schemeClr>
     </dgm:fillClrLst>
     <dgm:linClrLst meth="repeat">
-      <a:schemeClr val="accent1">
+      <a:schemeClr val="accent2">
         <a:alpha val="90000"/>
         <a:tint val="40000"/>
       </a:schemeClr>
@@ -695,13 +695,13 @@
   </dgm:styleLbl>
   <dgm:styleLbl name="bgAccFollowNode1">
     <dgm:fillClrLst meth="repeat">
-      <a:schemeClr val="accent1">
+      <a:schemeClr val="accent2">
         <a:alpha val="90000"/>
         <a:tint val="40000"/>
       </a:schemeClr>
     </dgm:fillClrLst>
     <dgm:linClrLst meth="repeat">
-      <a:schemeClr val="accent1">
+      <a:schemeClr val="accent2">
         <a:alpha val="90000"/>
         <a:tint val="40000"/>
       </a:schemeClr>
@@ -720,7 +720,7 @@
       </a:schemeClr>
     </dgm:fillClrLst>
     <dgm:linClrLst meth="repeat">
-      <a:schemeClr val="accent1"/>
+      <a:schemeClr val="accent2"/>
     </dgm:linClrLst>
     <dgm:effectClrLst/>
     <dgm:txLinClrLst/>
@@ -736,7 +736,7 @@
       </a:schemeClr>
     </dgm:fillClrLst>
     <dgm:linClrLst meth="repeat">
-      <a:schemeClr val="accent1"/>
+      <a:schemeClr val="accent2"/>
     </dgm:linClrLst>
     <dgm:effectClrLst/>
     <dgm:txLinClrLst/>
@@ -752,7 +752,7 @@
       </a:schemeClr>
     </dgm:fillClrLst>
     <dgm:linClrLst meth="repeat">
-      <a:schemeClr val="accent1"/>
+      <a:schemeClr val="accent2"/>
     </dgm:linClrLst>
     <dgm:effectClrLst/>
     <dgm:txLinClrLst/>
@@ -768,7 +768,7 @@
       </a:schemeClr>
     </dgm:fillClrLst>
     <dgm:linClrLst meth="repeat">
-      <a:schemeClr val="accent1"/>
+      <a:schemeClr val="accent2"/>
     </dgm:linClrLst>
     <dgm:effectClrLst/>
     <dgm:txLinClrLst/>
@@ -779,12 +779,12 @@
   </dgm:styleLbl>
   <dgm:styleLbl name="bgShp">
     <dgm:fillClrLst meth="repeat">
-      <a:schemeClr val="accent1">
+      <a:schemeClr val="accent2">
         <a:tint val="40000"/>
       </a:schemeClr>
     </dgm:fillClrLst>
     <dgm:linClrLst meth="repeat">
-      <a:schemeClr val="accent1"/>
+      <a:schemeClr val="accent2"/>
     </dgm:linClrLst>
     <dgm:effectClrLst/>
     <dgm:txLinClrLst/>
@@ -795,12 +795,12 @@
   </dgm:styleLbl>
   <dgm:styleLbl name="dkBgShp">
     <dgm:fillClrLst meth="repeat">
-      <a:schemeClr val="accent1">
+      <a:schemeClr val="accent2">
         <a:shade val="80000"/>
       </a:schemeClr>
     </dgm:fillClrLst>
     <dgm:linClrLst meth="repeat">
-      <a:schemeClr val="accent1"/>
+      <a:schemeClr val="accent2"/>
     </dgm:linClrLst>
     <dgm:effectClrLst/>
     <dgm:txLinClrLst/>
@@ -811,13 +811,13 @@
   </dgm:styleLbl>
   <dgm:styleLbl name="trBgShp">
     <dgm:fillClrLst meth="repeat">
-      <a:schemeClr val="accent1">
+      <a:schemeClr val="accent2">
         <a:tint val="50000"/>
         <a:alpha val="40000"/>
       </a:schemeClr>
     </dgm:fillClrLst>
     <dgm:linClrLst meth="repeat">
-      <a:schemeClr val="accent1"/>
+      <a:schemeClr val="accent2"/>
     </dgm:linClrLst>
     <dgm:effectClrLst/>
     <dgm:txLinClrLst/>
@@ -828,7 +828,7 @@
   </dgm:styleLbl>
   <dgm:styleLbl name="fgShp">
     <dgm:fillClrLst meth="repeat">
-      <a:schemeClr val="accent1">
+      <a:schemeClr val="accent2">
         <a:tint val="60000"/>
       </a:schemeClr>
     </dgm:fillClrLst>
@@ -864,16 +864,16 @@
 </file>
 
 <file path=ppt/diagrams/colors2.xml><?xml version="1.0" encoding="utf-8"?>
-<dgm:colorsDef xmlns:dgm="http://schemas.openxmlformats.org/drawingml/2006/diagram" xmlns:a="http://schemas.openxmlformats.org/drawingml/2006/main" uniqueId="urn:microsoft.com/office/officeart/2005/8/colors/accent1_4">
+<dgm:colorsDef xmlns:dgm="http://schemas.openxmlformats.org/drawingml/2006/diagram" xmlns:a="http://schemas.openxmlformats.org/drawingml/2006/main" uniqueId="urn:microsoft.com/office/officeart/2005/8/colors/accent2_5">
   <dgm:title val=""/>
   <dgm:desc val=""/>
   <dgm:catLst>
-    <dgm:cat type="accent1" pri="11400"/>
+    <dgm:cat type="accent2" pri="11500"/>
   </dgm:catLst>
   <dgm:styleLbl name="node0">
     <dgm:fillClrLst meth="cycle">
-      <a:schemeClr val="accent1">
-        <a:shade val="60000"/>
+      <a:schemeClr val="accent2">
+        <a:alpha val="80000"/>
       </a:schemeClr>
     </dgm:fillClrLst>
     <dgm:linClrLst meth="repeat">
@@ -885,69 +885,11 @@
     <dgm:txEffectClrLst/>
   </dgm:styleLbl>
   <dgm:styleLbl name="node1">
-    <dgm:fillClrLst meth="cycle">
-      <a:schemeClr val="accent1">
-        <a:shade val="50000"/>
+    <dgm:fillClrLst>
+      <a:schemeClr val="accent2">
+        <a:alpha val="90000"/>
       </a:schemeClr>
-      <a:schemeClr val="accent1">
-        <a:tint val="55000"/>
-      </a:schemeClr>
-    </dgm:fillClrLst>
-    <dgm:linClrLst meth="repeat">
-      <a:schemeClr val="lt1"/>
-    </dgm:linClrLst>
-    <dgm:effectClrLst/>
-    <dgm:txLinClrLst/>
-    <dgm:txFillClrLst/>
-    <dgm:txEffectClrLst/>
-  </dgm:styleLbl>
-  <dgm:styleLbl name="alignNode1">
-    <dgm:fillClrLst meth="cycle">
-      <a:schemeClr val="accent1">
-        <a:shade val="50000"/>
-      </a:schemeClr>
-      <a:schemeClr val="accent1">
-        <a:tint val="55000"/>
-      </a:schemeClr>
-    </dgm:fillClrLst>
-    <dgm:linClrLst meth="cycle">
-      <a:schemeClr val="accent1">
-        <a:shade val="50000"/>
-      </a:schemeClr>
-      <a:schemeClr val="accent1">
-        <a:tint val="55000"/>
-      </a:schemeClr>
-    </dgm:linClrLst>
-    <dgm:effectClrLst/>
-    <dgm:txLinClrLst/>
-    <dgm:txFillClrLst/>
-    <dgm:txEffectClrLst/>
-  </dgm:styleLbl>
-  <dgm:styleLbl name="lnNode1">
-    <dgm:fillClrLst meth="cycle">
-      <a:schemeClr val="accent1">
-        <a:shade val="50000"/>
-      </a:schemeClr>
-      <a:schemeClr val="accent1">
-        <a:tint val="55000"/>
-      </a:schemeClr>
-    </dgm:fillClrLst>
-    <dgm:linClrLst meth="repeat">
-      <a:schemeClr val="lt1"/>
-    </dgm:linClrLst>
-    <dgm:effectClrLst/>
-    <dgm:txLinClrLst/>
-    <dgm:txFillClrLst/>
-    <dgm:txEffectClrLst/>
-  </dgm:styleLbl>
-  <dgm:styleLbl name="vennNode1">
-    <dgm:fillClrLst meth="cycle">
-      <a:schemeClr val="accent1">
-        <a:shade val="80000"/>
-        <a:alpha val="50000"/>
-      </a:schemeClr>
-      <a:schemeClr val="accent1">
-        <a:tint val="50000"/>
+      <a:schemeClr val="accent2">
         <a:alpha val="50000"/>
       </a:schemeClr>
     </dgm:fillClrLst>
@@ -959,10 +901,36 @@
     <dgm:txFillClrLst/>
     <dgm:txEffectClrLst/>
   </dgm:styleLbl>
-  <dgm:styleLbl name="node2">
+  <dgm:styleLbl name="alignNode1">
     <dgm:fillClrLst>
-      <a:schemeClr val="accent1">
-        <a:shade val="80000"/>
+      <a:schemeClr val="accent2">
+        <a:alpha val="90000"/>
+      </a:schemeClr>
+      <a:schemeClr val="accent2">
+        <a:alpha val="50000"/>
+      </a:schemeClr>
+    </dgm:fillClrLst>
+    <dgm:linClrLst>
+      <a:schemeClr val="accent2">
+        <a:alpha val="90000"/>
+      </a:schemeClr>
+      <a:schemeClr val="accent2">
+        <a:alpha val="50000"/>
+      </a:schemeClr>
+    </dgm:linClrLst>
+    <dgm:effectClrLst/>
+    <dgm:txLinClrLst/>
+    <dgm:txFillClrLst/>
+    <dgm:txEffectClrLst/>
+  </dgm:styleLbl>
+  <dgm:styleLbl name="lnNode1">
+    <dgm:fillClrLst>
+      <a:schemeClr val="accent2">
+        <a:shade val="90000"/>
+      </a:schemeClr>
+      <a:schemeClr val="accent2">
+        <a:alpha val="50000"/>
+        <a:tint val="50000"/>
       </a:schemeClr>
     </dgm:fillClrLst>
     <dgm:linClrLst meth="repeat">
@@ -973,10 +941,14 @@
     <dgm:txFillClrLst/>
     <dgm:txEffectClrLst/>
   </dgm:styleLbl>
-  <dgm:styleLbl name="node3">
+  <dgm:styleLbl name="vennNode1">
     <dgm:fillClrLst>
-      <a:schemeClr val="accent1">
-        <a:tint val="99000"/>
+      <a:schemeClr val="accent2">
+        <a:shade val="80000"/>
+        <a:alpha val="50000"/>
+      </a:schemeClr>
+      <a:schemeClr val="accent2">
+        <a:alpha val="20000"/>
       </a:schemeClr>
     </dgm:fillClrLst>
     <dgm:linClrLst meth="repeat">
@@ -987,10 +959,10 @@
     <dgm:txFillClrLst/>
     <dgm:txEffectClrLst/>
   </dgm:styleLbl>
-  <dgm:styleLbl name="node4">
+  <dgm:styleLbl name="node2">
     <dgm:fillClrLst>
-      <a:schemeClr val="accent1">
-        <a:tint val="70000"/>
+      <a:schemeClr val="accent2">
+        <a:alpha val="70000"/>
       </a:schemeClr>
     </dgm:fillClrLst>
     <dgm:linClrLst meth="repeat">
@@ -1001,13 +973,43 @@
     <dgm:txFillClrLst/>
     <dgm:txEffectClrLst/>
   </dgm:styleLbl>
+  <dgm:styleLbl name="node3">
+    <dgm:fillClrLst>
+      <a:schemeClr val="accent2">
+        <a:alpha val="50000"/>
+      </a:schemeClr>
+    </dgm:fillClrLst>
+    <dgm:linClrLst meth="repeat">
+      <a:schemeClr val="lt1"/>
+    </dgm:linClrLst>
+    <dgm:effectClrLst/>
+    <dgm:txLinClrLst/>
+    <dgm:txFillClrLst/>
+    <dgm:txEffectClrLst/>
+  </dgm:styleLbl>
+  <dgm:styleLbl name="node4">
+    <dgm:fillClrLst>
+      <a:schemeClr val="accent2">
+        <a:alpha val="30000"/>
+      </a:schemeClr>
+    </dgm:fillClrLst>
+    <dgm:linClrLst meth="repeat">
+      <a:schemeClr val="lt1"/>
+    </dgm:linClrLst>
+    <dgm:effectClrLst/>
+    <dgm:txLinClrLst/>
+    <dgm:txFillClrLst/>
+    <dgm:txEffectClrLst/>
+  </dgm:styleLbl>
   <dgm:styleLbl name="fgImgPlace1">
     <dgm:fillClrLst>
-      <a:schemeClr val="accent1">
+      <a:schemeClr val="accent2">
         <a:tint val="50000"/>
+        <a:alpha val="90000"/>
       </a:schemeClr>
-      <a:schemeClr val="accent1">
-        <a:tint val="55000"/>
+      <a:schemeClr val="accent2">
+        <a:tint val="20000"/>
+        <a:alpha val="50000"/>
       </a:schemeClr>
     </dgm:fillClrLst>
     <dgm:linClrLst meth="repeat">
@@ -1022,11 +1024,11 @@
   </dgm:styleLbl>
   <dgm:styleLbl name="alignImgPlace1">
     <dgm:fillClrLst>
-      <a:schemeClr val="accent1">
+      <a:schemeClr val="accent2">
         <a:tint val="50000"/>
       </a:schemeClr>
-      <a:schemeClr val="accent1">
-        <a:tint val="55000"/>
+      <a:schemeClr val="accent2">
+        <a:tint val="20000"/>
       </a:schemeClr>
     </dgm:fillClrLst>
     <dgm:linClrLst meth="repeat">
@@ -1041,11 +1043,11 @@
   </dgm:styleLbl>
   <dgm:styleLbl name="bgImgPlace1">
     <dgm:fillClrLst>
-      <a:schemeClr val="accent1">
+      <a:schemeClr val="accent2">
         <a:tint val="50000"/>
       </a:schemeClr>
-      <a:schemeClr val="accent1">
-        <a:tint val="55000"/>
+      <a:schemeClr val="accent2">
+        <a:tint val="20000"/>
       </a:schemeClr>
     </dgm:fillClrLst>
     <dgm:linClrLst meth="repeat">
@@ -1059,19 +1061,19 @@
     <dgm:txEffectClrLst/>
   </dgm:styleLbl>
   <dgm:styleLbl name="sibTrans2D1">
-    <dgm:fillClrLst meth="cycle">
-      <a:schemeClr val="accent1">
+    <dgm:fillClrLst>
+      <a:schemeClr val="accent2">
         <a:shade val="90000"/>
       </a:schemeClr>
-      <a:schemeClr val="accent1">
+      <a:schemeClr val="accent2">
         <a:tint val="50000"/>
       </a:schemeClr>
     </dgm:fillClrLst>
-    <dgm:linClrLst meth="cycle">
-      <a:schemeClr val="accent1">
+    <dgm:linClrLst>
+      <a:schemeClr val="accent2">
         <a:shade val="90000"/>
       </a:schemeClr>
-      <a:schemeClr val="accent1">
+      <a:schemeClr val="accent2">
         <a:tint val="50000"/>
       </a:schemeClr>
     </dgm:linClrLst>
@@ -1081,19 +1083,19 @@
     <dgm:txEffectClrLst/>
   </dgm:styleLbl>
   <dgm:styleLbl name="fgSibTrans2D1">
-    <dgm:fillClrLst meth="cycle">
-      <a:schemeClr val="accent1">
+    <dgm:fillClrLst>
+      <a:schemeClr val="accent2">
         <a:shade val="90000"/>
       </a:schemeClr>
-      <a:schemeClr val="accent1">
+      <a:schemeClr val="accent2">
         <a:tint val="50000"/>
       </a:schemeClr>
     </dgm:fillClrLst>
-    <dgm:linClrLst meth="cycle">
-      <a:schemeClr val="accent1">
+    <dgm:linClrLst>
+      <a:schemeClr val="accent2">
         <a:shade val="90000"/>
       </a:schemeClr>
-      <a:schemeClr val="accent1">
+      <a:schemeClr val="accent2">
         <a:tint val="50000"/>
       </a:schemeClr>
     </dgm:linClrLst>
@@ -1103,19 +1105,19 @@
     <dgm:txEffectClrLst/>
   </dgm:styleLbl>
   <dgm:styleLbl name="bgSibTrans2D1">
-    <dgm:fillClrLst meth="cycle">
-      <a:schemeClr val="accent1">
+    <dgm:fillClrLst>
+      <a:schemeClr val="accent2">
         <a:shade val="90000"/>
       </a:schemeClr>
-      <a:schemeClr val="accent1">
+      <a:schemeClr val="accent2">
         <a:tint val="50000"/>
       </a:schemeClr>
     </dgm:fillClrLst>
-    <dgm:linClrLst meth="cycle">
-      <a:schemeClr val="accent1">
+    <dgm:linClrLst>
+      <a:schemeClr val="accent2">
         <a:shade val="90000"/>
       </a:schemeClr>
-      <a:schemeClr val="accent1">
+      <a:schemeClr val="accent2">
         <a:tint val="50000"/>
       </a:schemeClr>
     </dgm:linClrLst>
@@ -1125,19 +1127,19 @@
     <dgm:txEffectClrLst/>
   </dgm:styleLbl>
   <dgm:styleLbl name="sibTrans1D1">
-    <dgm:fillClrLst meth="cycle">
-      <a:schemeClr val="accent1">
+    <dgm:fillClrLst>
+      <a:schemeClr val="accent2">
         <a:shade val="90000"/>
       </a:schemeClr>
-      <a:schemeClr val="accent1">
+      <a:schemeClr val="accent2">
         <a:tint val="50000"/>
       </a:schemeClr>
     </dgm:fillClrLst>
-    <dgm:linClrLst meth="cycle">
-      <a:schemeClr val="accent1">
+    <dgm:linClrLst>
+      <a:schemeClr val="accent2">
         <a:shade val="90000"/>
       </a:schemeClr>
-      <a:schemeClr val="accent1">
+      <a:schemeClr val="accent2">
         <a:tint val="50000"/>
       </a:schemeClr>
     </dgm:linClrLst>
@@ -1150,10 +1152,10 @@
   </dgm:styleLbl>
   <dgm:styleLbl name="callout">
     <dgm:fillClrLst meth="repeat">
-      <a:schemeClr val="accent1"/>
+      <a:schemeClr val="accent2"/>
     </dgm:fillClrLst>
     <dgm:linClrLst meth="repeat">
-      <a:schemeClr val="accent1"/>
+      <a:schemeClr val="accent2"/>
     </dgm:linClrLst>
     <dgm:effectClrLst/>
     <dgm:txLinClrLst/>
@@ -1164,8 +1166,8 @@
   </dgm:styleLbl>
   <dgm:styleLbl name="asst0">
     <dgm:fillClrLst meth="repeat">
-      <a:schemeClr val="accent1">
-        <a:shade val="80000"/>
+      <a:schemeClr val="accent2">
+        <a:alpha val="90000"/>
       </a:schemeClr>
     </dgm:fillClrLst>
     <dgm:linClrLst meth="repeat">
@@ -1178,8 +1180,8 @@
   </dgm:styleLbl>
   <dgm:styleLbl name="asst1">
     <dgm:fillClrLst meth="repeat">
-      <a:schemeClr val="accent1">
-        <a:shade val="80000"/>
+      <a:schemeClr val="accent2">
+        <a:alpha val="90000"/>
       </a:schemeClr>
     </dgm:fillClrLst>
     <dgm:linClrLst meth="repeat">
@@ -1192,8 +1194,8 @@
   </dgm:styleLbl>
   <dgm:styleLbl name="asst2">
     <dgm:fillClrLst>
-      <a:schemeClr val="accent1">
-        <a:tint val="90000"/>
+      <a:schemeClr val="accent2">
+        <a:alpha val="90000"/>
       </a:schemeClr>
     </dgm:fillClrLst>
     <dgm:linClrLst meth="repeat">
@@ -1206,8 +1208,8 @@
   </dgm:styleLbl>
   <dgm:styleLbl name="asst3">
     <dgm:fillClrLst>
-      <a:schemeClr val="accent1">
-        <a:tint val="70000"/>
+      <a:schemeClr val="accent2">
+        <a:alpha val="70000"/>
       </a:schemeClr>
     </dgm:fillClrLst>
     <dgm:linClrLst meth="repeat">
@@ -1220,8 +1222,8 @@
   </dgm:styleLbl>
   <dgm:styleLbl name="asst4">
     <dgm:fillClrLst>
-      <a:schemeClr val="accent1">
-        <a:tint val="50000"/>
+      <a:schemeClr val="accent2">
+        <a:alpha val="50000"/>
       </a:schemeClr>
     </dgm:fillClrLst>
     <dgm:linClrLst meth="repeat">
@@ -1234,12 +1236,12 @@
   </dgm:styleLbl>
   <dgm:styleLbl name="parChTrans2D1">
     <dgm:fillClrLst meth="repeat">
-      <a:schemeClr val="accent1">
-        <a:tint val="60000"/>
+      <a:schemeClr val="accent2">
+        <a:shade val="80000"/>
       </a:schemeClr>
     </dgm:fillClrLst>
     <dgm:linClrLst meth="repeat">
-      <a:schemeClr val="accent1">
+      <a:schemeClr val="accent2">
         <a:shade val="80000"/>
       </a:schemeClr>
     </dgm:linClrLst>
@@ -1250,12 +1252,12 @@
   </dgm:styleLbl>
   <dgm:styleLbl name="parChTrans2D2">
     <dgm:fillClrLst meth="repeat">
-      <a:schemeClr val="accent1">
+      <a:schemeClr val="accent2">
         <a:tint val="90000"/>
       </a:schemeClr>
     </dgm:fillClrLst>
     <dgm:linClrLst meth="repeat">
-      <a:schemeClr val="accent1">
+      <a:schemeClr val="accent2">
         <a:tint val="90000"/>
       </a:schemeClr>
     </dgm:linClrLst>
@@ -1266,12 +1268,12 @@
   </dgm:styleLbl>
   <dgm:styleLbl name="parChTrans2D3">
     <dgm:fillClrLst meth="repeat">
-      <a:schemeClr val="accent1">
+      <a:schemeClr val="accent2">
         <a:tint val="70000"/>
       </a:schemeClr>
     </dgm:fillClrLst>
     <dgm:linClrLst meth="repeat">
-      <a:schemeClr val="accent1">
+      <a:schemeClr val="accent2">
         <a:tint val="70000"/>
       </a:schemeClr>
     </dgm:linClrLst>
@@ -1282,12 +1284,12 @@
   </dgm:styleLbl>
   <dgm:styleLbl name="parChTrans2D4">
     <dgm:fillClrLst meth="repeat">
-      <a:schemeClr val="accent1">
+      <a:schemeClr val="accent2">
         <a:tint val="50000"/>
       </a:schemeClr>
     </dgm:fillClrLst>
     <dgm:linClrLst meth="repeat">
-      <a:schemeClr val="accent1">
+      <a:schemeClr val="accent2">
         <a:tint val="50000"/>
       </a:schemeClr>
     </dgm:linClrLst>
@@ -1300,12 +1302,12 @@
   </dgm:styleLbl>
   <dgm:styleLbl name="parChTrans1D1">
     <dgm:fillClrLst meth="repeat">
-      <a:schemeClr val="accent1">
+      <a:schemeClr val="accent2">
         <a:shade val="80000"/>
       </a:schemeClr>
     </dgm:fillClrLst>
     <dgm:linClrLst meth="repeat">
-      <a:schemeClr val="accent1">
+      <a:schemeClr val="accent2">
         <a:shade val="80000"/>
       </a:schemeClr>
     </dgm:linClrLst>
@@ -1318,12 +1320,12 @@
   </dgm:styleLbl>
   <dgm:styleLbl name="parChTrans1D2">
     <dgm:fillClrLst meth="repeat">
-      <a:schemeClr val="accent1">
+      <a:schemeClr val="accent2">
         <a:tint val="90000"/>
       </a:schemeClr>
     </dgm:fillClrLst>
     <dgm:linClrLst meth="repeat">
-      <a:schemeClr val="accent1">
+      <a:schemeClr val="accent2">
         <a:tint val="90000"/>
       </a:schemeClr>
     </dgm:linClrLst>
@@ -1336,12 +1338,12 @@
   </dgm:styleLbl>
   <dgm:styleLbl name="parChTrans1D3">
     <dgm:fillClrLst meth="repeat">
-      <a:schemeClr val="accent1">
+      <a:schemeClr val="accent2">
         <a:tint val="70000"/>
       </a:schemeClr>
     </dgm:fillClrLst>
     <dgm:linClrLst meth="repeat">
-      <a:schemeClr val="accent1">
+      <a:schemeClr val="accent2">
         <a:tint val="70000"/>
       </a:schemeClr>
     </dgm:linClrLst>
@@ -1354,12 +1356,12 @@
   </dgm:styleLbl>
   <dgm:styleLbl name="parChTrans1D4">
     <dgm:fillClrLst meth="repeat">
-      <a:schemeClr val="accent1">
+      <a:schemeClr val="accent2">
         <a:tint val="50000"/>
       </a:schemeClr>
     </dgm:fillClrLst>
     <dgm:linClrLst meth="repeat">
-      <a:schemeClr val="accent1">
+      <a:schemeClr val="accent2">
         <a:tint val="50000"/>
       </a:schemeClr>
     </dgm:linClrLst>
@@ -1376,12 +1378,12 @@
         <a:alpha val="90000"/>
       </a:schemeClr>
     </dgm:fillClrLst>
-    <dgm:linClrLst meth="cycle">
-      <a:schemeClr val="accent1">
-        <a:shade val="50000"/>
+    <dgm:linClrLst>
+      <a:schemeClr val="accent2">
+        <a:alpha val="90000"/>
       </a:schemeClr>
-      <a:schemeClr val="accent1">
-        <a:tint val="55000"/>
+      <a:schemeClr val="accent2">
+        <a:alpha val="50000"/>
       </a:schemeClr>
     </dgm:linClrLst>
     <dgm:effectClrLst/>
@@ -1397,12 +1399,12 @@
         <a:alpha val="90000"/>
       </a:schemeClr>
     </dgm:fillClrLst>
-    <dgm:linClrLst meth="cycle">
-      <a:schemeClr val="accent1">
-        <a:shade val="50000"/>
+    <dgm:linClrLst>
+      <a:schemeClr val="accent2">
+        <a:alpha val="90000"/>
       </a:schemeClr>
-      <a:schemeClr val="accent1">
-        <a:tint val="55000"/>
+      <a:schemeClr val="accent2">
+        <a:alpha val="50000"/>
       </a:schemeClr>
     </dgm:linClrLst>
     <dgm:effectClrLst/>
@@ -1418,12 +1420,12 @@
         <a:alpha val="90000"/>
       </a:schemeClr>
     </dgm:fillClrLst>
-    <dgm:linClrLst meth="cycle">
-      <a:schemeClr val="accent1">
-        <a:shade val="50000"/>
+    <dgm:linClrLst>
+      <a:schemeClr val="accent2">
+        <a:alpha val="90000"/>
       </a:schemeClr>
-      <a:schemeClr val="accent1">
-        <a:tint val="55000"/>
+      <a:schemeClr val="accent2">
+        <a:alpha val="50000"/>
       </a:schemeClr>
     </dgm:linClrLst>
     <dgm:effectClrLst/>
@@ -1436,31 +1438,15 @@
   <dgm:styleLbl name="trAlignAcc1">
     <dgm:fillClrLst meth="repeat">
       <a:schemeClr val="lt1">
-        <a:alpha val="55000"/>
+        <a:alpha val="40000"/>
       </a:schemeClr>
     </dgm:fillClrLst>
-    <dgm:linClrLst meth="repeat">
-      <a:schemeClr val="accent1"/>
-    </dgm:linClrLst>
-    <dgm:effectClrLst/>
-    <dgm:txLinClrLst/>
-    <dgm:txFillClrLst meth="repeat">
-      <a:schemeClr val="dk1"/>
-    </dgm:txFillClrLst>
-    <dgm:txEffectClrLst/>
-  </dgm:styleLbl>
-  <dgm:styleLbl name="bgAcc1">
-    <dgm:fillClrLst meth="repeat">
-      <a:schemeClr val="lt1">
+    <dgm:linClrLst>
+      <a:schemeClr val="accent2">
         <a:alpha val="90000"/>
       </a:schemeClr>
-    </dgm:fillClrLst>
-    <dgm:linClrLst meth="cycle">
-      <a:schemeClr val="accent1">
-        <a:shade val="50000"/>
-      </a:schemeClr>
-      <a:schemeClr val="accent1">
-        <a:tint val="55000"/>
+      <a:schemeClr val="accent2">
+        <a:alpha val="50000"/>
       </a:schemeClr>
     </dgm:linClrLst>
     <dgm:effectClrLst/>
@@ -1470,16 +1456,18 @@
     </dgm:txFillClrLst>
     <dgm:txEffectClrLst/>
   </dgm:styleLbl>
-  <dgm:styleLbl name="solidFgAcc1">
+  <dgm:styleLbl name="bgAcc1">
     <dgm:fillClrLst meth="repeat">
-      <a:schemeClr val="lt1"/>
+      <a:schemeClr val="lt1">
+        <a:alpha val="90000"/>
+      </a:schemeClr>
     </dgm:fillClrLst>
-    <dgm:linClrLst meth="cycle">
-      <a:schemeClr val="accent1">
-        <a:shade val="50000"/>
+    <dgm:linClrLst>
+      <a:schemeClr val="accent2">
+        <a:alpha val="90000"/>
       </a:schemeClr>
-      <a:schemeClr val="accent1">
-        <a:tint val="55000"/>
+      <a:schemeClr val="accent2">
+        <a:alpha val="50000"/>
       </a:schemeClr>
     </dgm:linClrLst>
     <dgm:effectClrLst/>
@@ -1489,45 +1477,16 @@
     </dgm:txFillClrLst>
     <dgm:txEffectClrLst/>
   </dgm:styleLbl>
-  <dgm:styleLbl name="solidAlignAcc1">
+  <dgm:styleLbl name="solidFgAcc1">
     <dgm:fillClrLst meth="repeat">
       <a:schemeClr val="lt1"/>
     </dgm:fillClrLst>
-    <dgm:linClrLst meth="repeat">
-      <a:schemeClr val="accent1"/>
-    </dgm:linClrLst>
-    <dgm:effectClrLst/>
-    <dgm:txLinClrLst/>
-    <dgm:txFillClrLst meth="repeat">
-      <a:schemeClr val="dk1"/>
-    </dgm:txFillClrLst>
-    <dgm:txEffectClrLst/>
-  </dgm:styleLbl>
-  <dgm:styleLbl name="solidBgAcc1">
-    <dgm:fillClrLst meth="repeat">
-      <a:schemeClr val="lt1"/>
-    </dgm:fillClrLst>
-    <dgm:linClrLst meth="repeat">
-      <a:schemeClr val="accent1"/>
-    </dgm:linClrLst>
-    <dgm:effectClrLst/>
-    <dgm:txLinClrLst/>
-    <dgm:txFillClrLst meth="repeat">
-      <a:schemeClr val="dk1"/>
-    </dgm:txFillClrLst>
-    <dgm:txEffectClrLst/>
-  </dgm:styleLbl>
-  <dgm:styleLbl name="fgAccFollowNode1">
-    <dgm:fillClrLst meth="repeat">
-      <a:schemeClr val="accent1">
+    <dgm:linClrLst>
+      <a:schemeClr val="accent2">
         <a:alpha val="90000"/>
-        <a:tint val="55000"/>
       </a:schemeClr>
-    </dgm:fillClrLst>
-    <dgm:linClrLst meth="repeat">
-      <a:schemeClr val="accent1">
-        <a:alpha val="90000"/>
-        <a:tint val="55000"/>
+      <a:schemeClr val="accent2">
+        <a:alpha val="50000"/>
       </a:schemeClr>
     </dgm:linClrLst>
     <dgm:effectClrLst/>
@@ -1537,17 +1496,49 @@
     </dgm:txFillClrLst>
     <dgm:txEffectClrLst/>
   </dgm:styleLbl>
-  <dgm:styleLbl name="alignAccFollowNode1">
+  <dgm:styleLbl name="solidAlignAcc1">
     <dgm:fillClrLst meth="repeat">
-      <a:schemeClr val="accent1">
+      <a:schemeClr val="lt1"/>
+    </dgm:fillClrLst>
+    <dgm:linClrLst meth="repeat">
+      <a:schemeClr val="accent2"/>
+    </dgm:linClrLst>
+    <dgm:effectClrLst/>
+    <dgm:txLinClrLst/>
+    <dgm:txFillClrLst meth="repeat">
+      <a:schemeClr val="dk1"/>
+    </dgm:txFillClrLst>
+    <dgm:txEffectClrLst/>
+  </dgm:styleLbl>
+  <dgm:styleLbl name="solidBgAcc1">
+    <dgm:fillClrLst meth="repeat">
+      <a:schemeClr val="lt1"/>
+    </dgm:fillClrLst>
+    <dgm:linClrLst meth="repeat">
+      <a:schemeClr val="accent2"/>
+    </dgm:linClrLst>
+    <dgm:effectClrLst/>
+    <dgm:txLinClrLst/>
+    <dgm:txFillClrLst meth="repeat">
+      <a:schemeClr val="dk1"/>
+    </dgm:txFillClrLst>
+    <dgm:txEffectClrLst/>
+  </dgm:styleLbl>
+  <dgm:styleLbl name="fgAccFollowNode1">
+    <dgm:fillClrLst>
+      <a:schemeClr val="accent2">
         <a:alpha val="90000"/>
-        <a:tint val="55000"/>
+        <a:tint val="40000"/>
+      </a:schemeClr>
+      <a:schemeClr val="accent2">
+        <a:alpha val="50000"/>
+        <a:tint val="40000"/>
       </a:schemeClr>
     </dgm:fillClrLst>
     <dgm:linClrLst meth="repeat">
-      <a:schemeClr val="accent1">
+      <a:schemeClr val="accent2">
         <a:alpha val="90000"/>
-        <a:tint val="55000"/>
+        <a:tint val="40000"/>
       </a:schemeClr>
     </dgm:linClrLst>
     <dgm:effectClrLst/>
@@ -1557,11 +1548,31 @@
     </dgm:txFillClrLst>
     <dgm:txEffectClrLst/>
   </dgm:styleLbl>
+  <dgm:styleLbl name="alignAccFollowNode1">
+    <dgm:fillClrLst meth="repeat">
+      <a:schemeClr val="accent2">
+        <a:alpha val="90000"/>
+        <a:tint val="40000"/>
+      </a:schemeClr>
+    </dgm:fillClrLst>
+    <dgm:linClrLst meth="repeat">
+      <a:schemeClr val="accent2">
+        <a:alpha val="90000"/>
+        <a:tint val="40000"/>
+      </a:schemeClr>
+    </dgm:linClrLst>
+    <dgm:effectClrLst/>
+    <dgm:txLinClrLst/>
+    <dgm:txFillClrLst meth="repeat">
+      <a:schemeClr val="dk1"/>
+    </dgm:txFillClrLst>
+    <dgm:txEffectClrLst/>
+  </dgm:styleLbl>
   <dgm:styleLbl name="bgAccFollowNode1">
     <dgm:fillClrLst meth="repeat">
-      <a:schemeClr val="accent1">
+      <a:schemeClr val="accent2">
         <a:alpha val="90000"/>
-        <a:tint val="55000"/>
+        <a:tint val="40000"/>
       </a:schemeClr>
     </dgm:fillClrLst>
     <dgm:linClrLst meth="repeat">
@@ -1581,7 +1592,7 @@
       </a:schemeClr>
     </dgm:fillClrLst>
     <dgm:linClrLst meth="repeat">
-      <a:schemeClr val="accent1">
+      <a:schemeClr val="accent2">
         <a:shade val="80000"/>
       </a:schemeClr>
     </dgm:linClrLst>
@@ -1599,7 +1610,7 @@
       </a:schemeClr>
     </dgm:fillClrLst>
     <dgm:linClrLst meth="repeat">
-      <a:schemeClr val="accent1">
+      <a:schemeClr val="accent2">
         <a:tint val="90000"/>
       </a:schemeClr>
     </dgm:linClrLst>
@@ -1617,7 +1628,7 @@
       </a:schemeClr>
     </dgm:fillClrLst>
     <dgm:linClrLst meth="repeat">
-      <a:schemeClr val="accent1">
+      <a:schemeClr val="accent2">
         <a:tint val="70000"/>
       </a:schemeClr>
     </dgm:linClrLst>
@@ -1635,7 +1646,7 @@
       </a:schemeClr>
     </dgm:fillClrLst>
     <dgm:linClrLst meth="repeat">
-      <a:schemeClr val="accent1">
+      <a:schemeClr val="accent2">
         <a:tint val="50000"/>
       </a:schemeClr>
     </dgm:linClrLst>
@@ -1648,8 +1659,8 @@
   </dgm:styleLbl>
   <dgm:styleLbl name="bgShp">
     <dgm:fillClrLst meth="repeat">
-      <a:schemeClr val="accent1">
-        <a:tint val="55000"/>
+      <a:schemeClr val="accent2">
+        <a:tint val="40000"/>
       </a:schemeClr>
     </dgm:fillClrLst>
     <dgm:linClrLst meth="repeat">
@@ -1664,7 +1675,7 @@
   </dgm:styleLbl>
   <dgm:styleLbl name="dkBgShp">
     <dgm:fillClrLst meth="repeat">
-      <a:schemeClr val="accent1">
+      <a:schemeClr val="accent2">
         <a:shade val="90000"/>
       </a:schemeClr>
     </dgm:fillClrLst>
@@ -1680,13 +1691,13 @@
   </dgm:styleLbl>
   <dgm:styleLbl name="trBgShp">
     <dgm:fillClrLst meth="repeat">
-      <a:schemeClr val="accent1">
+      <a:schemeClr val="accent2">
         <a:tint val="50000"/>
-        <a:alpha val="55000"/>
+        <a:alpha val="40000"/>
       </a:schemeClr>
     </dgm:fillClrLst>
     <dgm:linClrLst meth="repeat">
-      <a:schemeClr val="accent1"/>
+      <a:schemeClr val="accent2"/>
     </dgm:linClrLst>
     <dgm:effectClrLst/>
     <dgm:txLinClrLst/>
@@ -1697,8 +1708,8 @@
   </dgm:styleLbl>
   <dgm:styleLbl name="fgShp">
     <dgm:fillClrLst meth="repeat">
-      <a:schemeClr val="accent1">
-        <a:tint val="55000"/>
+      <a:schemeClr val="accent2">
+        <a:tint val="40000"/>
       </a:schemeClr>
     </dgm:fillClrLst>
     <dgm:linClrLst meth="repeat">
@@ -1736,7 +1747,7 @@
 <dgm:dataModel xmlns:dgm="http://schemas.openxmlformats.org/drawingml/2006/diagram" xmlns:a="http://schemas.openxmlformats.org/drawingml/2006/main">
   <dgm:ptLst>
     <dgm:pt modelId="{7E860DE8-0E19-4348-965D-18B6A4513C5F}" type="doc">
-      <dgm:prSet loTypeId="urn:microsoft.com/office/officeart/2018/2/layout/IconLabelList" loCatId="icon" qsTypeId="urn:microsoft.com/office/officeart/2005/8/quickstyle/simple1" qsCatId="simple" csTypeId="urn:microsoft.com/office/officeart/2005/8/colors/accent1_2" csCatId="accent1" phldr="1"/>
+      <dgm:prSet loTypeId="urn:microsoft.com/office/officeart/2018/2/layout/IconLabelList" loCatId="icon" qsTypeId="urn:microsoft.com/office/officeart/2005/8/quickstyle/simple5" qsCatId="simple" csTypeId="urn:microsoft.com/office/officeart/2005/8/colors/accent2_2" csCatId="accent2" phldr="1"/>
       <dgm:spPr/>
       <dgm:t>
         <a:bodyPr/>
@@ -1946,11 +1957,6 @@
           </a:stretch>
         </a:blipFill>
       </dgm:spPr>
-      <dgm:extLst>
-        <a:ext uri="{E40237B7-FDA0-4F09-8148-C483321AD2D9}">
-          <dgm14:cNvPr xmlns:dgm14="http://schemas.microsoft.com/office/drawing/2010/diagram" id="0" name="" descr="Database"/>
-        </a:ext>
-      </dgm:extLst>
     </dgm:pt>
     <dgm:pt modelId="{1CB257E2-E3E8-4602-8AD1-BA7007680B26}" type="pres">
       <dgm:prSet presAssocID="{25FBD450-CD42-4EC0-A8F9-F27C66EE8C07}" presName="spaceRect" presStyleCnt="0"/>
@@ -2146,7 +2152,7 @@
 <dgm:dataModel xmlns:dgm="http://schemas.openxmlformats.org/drawingml/2006/diagram" xmlns:a="http://schemas.openxmlformats.org/drawingml/2006/main">
   <dgm:ptLst>
     <dgm:pt modelId="{42DA35C2-590E-4E51-A754-FF605527AA09}" type="doc">
-      <dgm:prSet loTypeId="urn:microsoft.com/office/officeart/2016/7/layout/VerticalSolidActionList" loCatId="List" qsTypeId="urn:microsoft.com/office/officeart/2005/8/quickstyle/simple5" qsCatId="simple" csTypeId="urn:microsoft.com/office/officeart/2005/8/colors/accent1_4" csCatId="accent1"/>
+      <dgm:prSet loTypeId="urn:microsoft.com/office/officeart/2016/7/layout/VerticalSolidActionList" loCatId="List" qsTypeId="urn:microsoft.com/office/officeart/2005/8/quickstyle/simple5" qsCatId="simple" csTypeId="urn:microsoft.com/office/officeart/2005/8/colors/accent2_5" csCatId="accent2"/>
       <dgm:spPr/>
       <dgm:t>
         <a:bodyPr/>
@@ -2853,28 +2859,25 @@
             <a:fillRect/>
           </a:stretch>
         </a:blipFill>
-        <a:ln w="19050" cap="flat" cmpd="sng" algn="ctr">
-          <a:solidFill>
-            <a:schemeClr val="lt1">
-              <a:hueOff val="0"/>
-              <a:satOff val="0"/>
-              <a:lumOff val="0"/>
-              <a:alphaOff val="0"/>
-            </a:schemeClr>
-          </a:solidFill>
-          <a:prstDash val="solid"/>
-          <a:miter lim="800000"/>
+        <a:ln>
+          <a:noFill/>
         </a:ln>
-        <a:effectLst/>
+        <a:effectLst>
+          <a:outerShdw blurRad="57150" dist="19050" dir="5400000" algn="ctr" rotWithShape="0">
+            <a:srgbClr val="000000">
+              <a:alpha val="63000"/>
+            </a:srgbClr>
+          </a:outerShdw>
+        </a:effectLst>
       </dsp:spPr>
       <dsp:style>
-        <a:lnRef idx="2">
+        <a:lnRef idx="0">
           <a:scrgbClr r="0" g="0" b="0"/>
         </a:lnRef>
-        <a:fillRef idx="1">
+        <a:fillRef idx="3">
           <a:scrgbClr r="0" g="0" b="0"/>
         </a:fillRef>
-        <a:effectRef idx="0">
+        <a:effectRef idx="3">
           <a:scrgbClr r="0" g="0" b="0"/>
         </a:effectRef>
         <a:fontRef idx="minor">
@@ -2971,28 +2974,25 @@
             <a:fillRect/>
           </a:stretch>
         </a:blipFill>
-        <a:ln w="19050" cap="flat" cmpd="sng" algn="ctr">
-          <a:solidFill>
-            <a:schemeClr val="lt1">
-              <a:hueOff val="0"/>
-              <a:satOff val="0"/>
-              <a:lumOff val="0"/>
-              <a:alphaOff val="0"/>
-            </a:schemeClr>
-          </a:solidFill>
-          <a:prstDash val="solid"/>
-          <a:miter lim="800000"/>
+        <a:ln>
+          <a:noFill/>
         </a:ln>
-        <a:effectLst/>
+        <a:effectLst>
+          <a:outerShdw blurRad="57150" dist="19050" dir="5400000" algn="ctr" rotWithShape="0">
+            <a:srgbClr val="000000">
+              <a:alpha val="63000"/>
+            </a:srgbClr>
+          </a:outerShdw>
+        </a:effectLst>
       </dsp:spPr>
       <dsp:style>
-        <a:lnRef idx="2">
+        <a:lnRef idx="0">
           <a:scrgbClr r="0" g="0" b="0"/>
         </a:lnRef>
-        <a:fillRef idx="1">
+        <a:fillRef idx="3">
           <a:scrgbClr r="0" g="0" b="0"/>
         </a:fillRef>
-        <a:effectRef idx="0">
+        <a:effectRef idx="3">
           <a:scrgbClr r="0" g="0" b="0"/>
         </a:effectRef>
         <a:fontRef idx="minor">
@@ -3087,28 +3087,25 @@
             <a:fillRect/>
           </a:stretch>
         </a:blipFill>
-        <a:ln w="19050" cap="flat" cmpd="sng" algn="ctr">
-          <a:solidFill>
-            <a:schemeClr val="lt1">
-              <a:hueOff val="0"/>
-              <a:satOff val="0"/>
-              <a:lumOff val="0"/>
-              <a:alphaOff val="0"/>
-            </a:schemeClr>
-          </a:solidFill>
-          <a:prstDash val="solid"/>
-          <a:miter lim="800000"/>
+        <a:ln>
+          <a:noFill/>
         </a:ln>
-        <a:effectLst/>
+        <a:effectLst>
+          <a:outerShdw blurRad="57150" dist="19050" dir="5400000" algn="ctr" rotWithShape="0">
+            <a:srgbClr val="000000">
+              <a:alpha val="63000"/>
+            </a:srgbClr>
+          </a:outerShdw>
+        </a:effectLst>
       </dsp:spPr>
       <dsp:style>
-        <a:lnRef idx="2">
+        <a:lnRef idx="0">
           <a:scrgbClr r="0" g="0" b="0"/>
         </a:lnRef>
-        <a:fillRef idx="1">
+        <a:fillRef idx="3">
           <a:scrgbClr r="0" g="0" b="0"/>
         </a:fillRef>
-        <a:effectRef idx="0">
+        <a:effectRef idx="3">
           <a:scrgbClr r="0" g="0" b="0"/>
         </a:effectRef>
         <a:fontRef idx="minor">
@@ -3205,28 +3202,25 @@
             <a:fillRect/>
           </a:stretch>
         </a:blipFill>
-        <a:ln w="19050" cap="flat" cmpd="sng" algn="ctr">
-          <a:solidFill>
-            <a:schemeClr val="lt1">
-              <a:hueOff val="0"/>
-              <a:satOff val="0"/>
-              <a:lumOff val="0"/>
-              <a:alphaOff val="0"/>
-            </a:schemeClr>
-          </a:solidFill>
-          <a:prstDash val="solid"/>
-          <a:miter lim="800000"/>
+        <a:ln>
+          <a:noFill/>
         </a:ln>
-        <a:effectLst/>
+        <a:effectLst>
+          <a:outerShdw blurRad="57150" dist="19050" dir="5400000" algn="ctr" rotWithShape="0">
+            <a:srgbClr val="000000">
+              <a:alpha val="63000"/>
+            </a:srgbClr>
+          </a:outerShdw>
+        </a:effectLst>
       </dsp:spPr>
       <dsp:style>
-        <a:lnRef idx="2">
+        <a:lnRef idx="0">
           <a:scrgbClr r="0" g="0" b="0"/>
         </a:lnRef>
-        <a:fillRef idx="1">
+        <a:fillRef idx="3">
           <a:scrgbClr r="0" g="0" b="0"/>
         </a:fillRef>
-        <a:effectRef idx="0">
+        <a:effectRef idx="3">
           <a:scrgbClr r="0" g="0" b="0"/>
         </a:effectRef>
         <a:fontRef idx="minor">
@@ -3321,9 +3315,9 @@
           <a:avLst/>
         </a:prstGeom>
         <a:solidFill>
-          <a:schemeClr val="accent1">
+          <a:schemeClr val="accent2">
             <a:alpha val="90000"/>
-            <a:tint val="55000"/>
+            <a:tint val="40000"/>
             <a:hueOff val="0"/>
             <a:satOff val="0"/>
             <a:lumOff val="0"/>
@@ -3332,9 +3326,9 @@
         </a:solidFill>
         <a:ln w="12700" cap="flat" cmpd="sng" algn="ctr">
           <a:solidFill>
-            <a:schemeClr val="accent1">
+            <a:schemeClr val="accent2">
               <a:alpha val="90000"/>
-              <a:tint val="55000"/>
+              <a:tint val="40000"/>
               <a:hueOff val="0"/>
               <a:satOff val="0"/>
               <a:lumOff val="0"/>
@@ -3404,8 +3398,8 @@
         <a:gradFill rotWithShape="0">
           <a:gsLst>
             <a:gs pos="0">
-              <a:schemeClr val="accent1">
-                <a:shade val="50000"/>
+              <a:schemeClr val="accent2">
+                <a:alpha val="90000"/>
                 <a:hueOff val="0"/>
                 <a:satOff val="0"/>
                 <a:lumOff val="0"/>
@@ -3416,8 +3410,8 @@
               </a:schemeClr>
             </a:gs>
             <a:gs pos="50000">
-              <a:schemeClr val="accent1">
-                <a:shade val="50000"/>
+              <a:schemeClr val="accent2">
+                <a:alpha val="90000"/>
                 <a:hueOff val="0"/>
                 <a:satOff val="0"/>
                 <a:lumOff val="0"/>
@@ -3428,8 +3422,8 @@
               </a:schemeClr>
             </a:gs>
             <a:gs pos="100000">
-              <a:schemeClr val="accent1">
-                <a:shade val="50000"/>
+              <a:schemeClr val="accent2">
+                <a:alpha val="90000"/>
                 <a:hueOff val="0"/>
                 <a:satOff val="0"/>
                 <a:lumOff val="0"/>
@@ -3444,8 +3438,8 @@
         </a:gradFill>
         <a:ln w="12700" cap="flat" cmpd="sng" algn="ctr">
           <a:solidFill>
-            <a:schemeClr val="accent1">
-              <a:shade val="50000"/>
+            <a:schemeClr val="accent2">
+              <a:alpha val="90000"/>
               <a:hueOff val="0"/>
               <a:satOff val="0"/>
               <a:lumOff val="0"/>
@@ -3521,9 +3515,9 @@
           <a:avLst/>
         </a:prstGeom>
         <a:solidFill>
-          <a:schemeClr val="accent1">
+          <a:schemeClr val="accent2">
             <a:alpha val="90000"/>
-            <a:tint val="55000"/>
+            <a:tint val="40000"/>
             <a:hueOff val="0"/>
             <a:satOff val="0"/>
             <a:lumOff val="0"/>
@@ -3532,9 +3526,9 @@
         </a:solidFill>
         <a:ln w="12700" cap="flat" cmpd="sng" algn="ctr">
           <a:solidFill>
-            <a:schemeClr val="accent1">
+            <a:schemeClr val="accent2">
               <a:alpha val="90000"/>
-              <a:tint val="55000"/>
+              <a:tint val="40000"/>
               <a:hueOff val="0"/>
               <a:satOff val="0"/>
               <a:lumOff val="0"/>
@@ -3604,36 +3598,36 @@
         <a:gradFill rotWithShape="0">
           <a:gsLst>
             <a:gs pos="0">
-              <a:schemeClr val="accent1">
-                <a:shade val="50000"/>
-                <a:hueOff val="196549"/>
-                <a:satOff val="-20659"/>
-                <a:lumOff val="17827"/>
-                <a:alphaOff val="0"/>
+              <a:schemeClr val="accent2">
+                <a:alpha val="90000"/>
+                <a:hueOff val="0"/>
+                <a:satOff val="0"/>
+                <a:lumOff val="0"/>
+                <a:alphaOff val="-8000"/>
                 <a:satMod val="103000"/>
                 <a:lumMod val="102000"/>
                 <a:tint val="94000"/>
               </a:schemeClr>
             </a:gs>
             <a:gs pos="50000">
-              <a:schemeClr val="accent1">
-                <a:shade val="50000"/>
-                <a:hueOff val="196549"/>
-                <a:satOff val="-20659"/>
-                <a:lumOff val="17827"/>
-                <a:alphaOff val="0"/>
+              <a:schemeClr val="accent2">
+                <a:alpha val="90000"/>
+                <a:hueOff val="0"/>
+                <a:satOff val="0"/>
+                <a:lumOff val="0"/>
+                <a:alphaOff val="-8000"/>
                 <a:satMod val="110000"/>
                 <a:lumMod val="100000"/>
                 <a:shade val="100000"/>
               </a:schemeClr>
             </a:gs>
             <a:gs pos="100000">
-              <a:schemeClr val="accent1">
-                <a:shade val="50000"/>
-                <a:hueOff val="196549"/>
-                <a:satOff val="-20659"/>
-                <a:lumOff val="17827"/>
-                <a:alphaOff val="0"/>
+              <a:schemeClr val="accent2">
+                <a:alpha val="90000"/>
+                <a:hueOff val="0"/>
+                <a:satOff val="0"/>
+                <a:lumOff val="0"/>
+                <a:alphaOff val="-8000"/>
                 <a:lumMod val="99000"/>
                 <a:satMod val="120000"/>
                 <a:shade val="78000"/>
@@ -3644,12 +3638,12 @@
         </a:gradFill>
         <a:ln w="12700" cap="flat" cmpd="sng" algn="ctr">
           <a:solidFill>
-            <a:schemeClr val="accent1">
-              <a:shade val="50000"/>
-              <a:hueOff val="196549"/>
-              <a:satOff val="-20659"/>
-              <a:lumOff val="17827"/>
-              <a:alphaOff val="0"/>
+            <a:schemeClr val="accent2">
+              <a:alpha val="90000"/>
+              <a:hueOff val="0"/>
+              <a:satOff val="0"/>
+              <a:lumOff val="0"/>
+              <a:alphaOff val="-8000"/>
             </a:schemeClr>
           </a:solidFill>
           <a:prstDash val="solid"/>
@@ -3721,9 +3715,9 @@
           <a:avLst/>
         </a:prstGeom>
         <a:solidFill>
-          <a:schemeClr val="accent1">
+          <a:schemeClr val="accent2">
             <a:alpha val="90000"/>
-            <a:tint val="55000"/>
+            <a:tint val="40000"/>
             <a:hueOff val="0"/>
             <a:satOff val="0"/>
             <a:lumOff val="0"/>
@@ -3732,9 +3726,9 @@
         </a:solidFill>
         <a:ln w="12700" cap="flat" cmpd="sng" algn="ctr">
           <a:solidFill>
-            <a:schemeClr val="accent1">
+            <a:schemeClr val="accent2">
               <a:alpha val="90000"/>
-              <a:tint val="55000"/>
+              <a:tint val="40000"/>
               <a:hueOff val="0"/>
               <a:satOff val="0"/>
               <a:lumOff val="0"/>
@@ -3804,36 +3798,36 @@
         <a:gradFill rotWithShape="0">
           <a:gsLst>
             <a:gs pos="0">
-              <a:schemeClr val="accent1">
-                <a:shade val="50000"/>
-                <a:hueOff val="393098"/>
-                <a:satOff val="-41319"/>
-                <a:lumOff val="35655"/>
-                <a:alphaOff val="0"/>
+              <a:schemeClr val="accent2">
+                <a:alpha val="90000"/>
+                <a:hueOff val="0"/>
+                <a:satOff val="0"/>
+                <a:lumOff val="0"/>
+                <a:alphaOff val="-16000"/>
                 <a:satMod val="103000"/>
                 <a:lumMod val="102000"/>
                 <a:tint val="94000"/>
               </a:schemeClr>
             </a:gs>
             <a:gs pos="50000">
-              <a:schemeClr val="accent1">
-                <a:shade val="50000"/>
-                <a:hueOff val="393098"/>
-                <a:satOff val="-41319"/>
-                <a:lumOff val="35655"/>
-                <a:alphaOff val="0"/>
+              <a:schemeClr val="accent2">
+                <a:alpha val="90000"/>
+                <a:hueOff val="0"/>
+                <a:satOff val="0"/>
+                <a:lumOff val="0"/>
+                <a:alphaOff val="-16000"/>
                 <a:satMod val="110000"/>
                 <a:lumMod val="100000"/>
                 <a:shade val="100000"/>
               </a:schemeClr>
             </a:gs>
             <a:gs pos="100000">
-              <a:schemeClr val="accent1">
-                <a:shade val="50000"/>
-                <a:hueOff val="393098"/>
-                <a:satOff val="-41319"/>
-                <a:lumOff val="35655"/>
-                <a:alphaOff val="0"/>
+              <a:schemeClr val="accent2">
+                <a:alpha val="90000"/>
+                <a:hueOff val="0"/>
+                <a:satOff val="0"/>
+                <a:lumOff val="0"/>
+                <a:alphaOff val="-16000"/>
                 <a:lumMod val="99000"/>
                 <a:satMod val="120000"/>
                 <a:shade val="78000"/>
@@ -3844,12 +3838,12 @@
         </a:gradFill>
         <a:ln w="12700" cap="flat" cmpd="sng" algn="ctr">
           <a:solidFill>
-            <a:schemeClr val="accent1">
-              <a:shade val="50000"/>
-              <a:hueOff val="393098"/>
-              <a:satOff val="-41319"/>
-              <a:lumOff val="35655"/>
-              <a:alphaOff val="0"/>
+            <a:schemeClr val="accent2">
+              <a:alpha val="90000"/>
+              <a:hueOff val="0"/>
+              <a:satOff val="0"/>
+              <a:lumOff val="0"/>
+              <a:alphaOff val="-16000"/>
             </a:schemeClr>
           </a:solidFill>
           <a:prstDash val="solid"/>
@@ -3921,9 +3915,9 @@
           <a:avLst/>
         </a:prstGeom>
         <a:solidFill>
-          <a:schemeClr val="accent1">
+          <a:schemeClr val="accent2">
             <a:alpha val="90000"/>
-            <a:tint val="55000"/>
+            <a:tint val="40000"/>
             <a:hueOff val="0"/>
             <a:satOff val="0"/>
             <a:lumOff val="0"/>
@@ -3932,9 +3926,9 @@
         </a:solidFill>
         <a:ln w="12700" cap="flat" cmpd="sng" algn="ctr">
           <a:solidFill>
-            <a:schemeClr val="accent1">
+            <a:schemeClr val="accent2">
               <a:alpha val="90000"/>
-              <a:tint val="55000"/>
+              <a:tint val="40000"/>
               <a:hueOff val="0"/>
               <a:satOff val="0"/>
               <a:lumOff val="0"/>
@@ -4004,36 +3998,36 @@
         <a:gradFill rotWithShape="0">
           <a:gsLst>
             <a:gs pos="0">
-              <a:schemeClr val="accent1">
-                <a:shade val="50000"/>
-                <a:hueOff val="589647"/>
-                <a:satOff val="-61978"/>
-                <a:lumOff val="53482"/>
-                <a:alphaOff val="0"/>
+              <a:schemeClr val="accent2">
+                <a:alpha val="90000"/>
+                <a:hueOff val="0"/>
+                <a:satOff val="0"/>
+                <a:lumOff val="0"/>
+                <a:alphaOff val="-24000"/>
                 <a:satMod val="103000"/>
                 <a:lumMod val="102000"/>
                 <a:tint val="94000"/>
               </a:schemeClr>
             </a:gs>
             <a:gs pos="50000">
-              <a:schemeClr val="accent1">
-                <a:shade val="50000"/>
-                <a:hueOff val="589647"/>
-                <a:satOff val="-61978"/>
-                <a:lumOff val="53482"/>
-                <a:alphaOff val="0"/>
+              <a:schemeClr val="accent2">
+                <a:alpha val="90000"/>
+                <a:hueOff val="0"/>
+                <a:satOff val="0"/>
+                <a:lumOff val="0"/>
+                <a:alphaOff val="-24000"/>
                 <a:satMod val="110000"/>
                 <a:lumMod val="100000"/>
                 <a:shade val="100000"/>
               </a:schemeClr>
             </a:gs>
             <a:gs pos="100000">
-              <a:schemeClr val="accent1">
-                <a:shade val="50000"/>
-                <a:hueOff val="589647"/>
-                <a:satOff val="-61978"/>
-                <a:lumOff val="53482"/>
-                <a:alphaOff val="0"/>
+              <a:schemeClr val="accent2">
+                <a:alpha val="90000"/>
+                <a:hueOff val="0"/>
+                <a:satOff val="0"/>
+                <a:lumOff val="0"/>
+                <a:alphaOff val="-24000"/>
                 <a:lumMod val="99000"/>
                 <a:satMod val="120000"/>
                 <a:shade val="78000"/>
@@ -4044,12 +4038,12 @@
         </a:gradFill>
         <a:ln w="12700" cap="flat" cmpd="sng" algn="ctr">
           <a:solidFill>
-            <a:schemeClr val="accent1">
-              <a:shade val="50000"/>
-              <a:hueOff val="589647"/>
-              <a:satOff val="-61978"/>
-              <a:lumOff val="53482"/>
-              <a:alphaOff val="0"/>
+            <a:schemeClr val="accent2">
+              <a:alpha val="90000"/>
+              <a:hueOff val="0"/>
+              <a:satOff val="0"/>
+              <a:lumOff val="0"/>
+              <a:alphaOff val="-24000"/>
             </a:schemeClr>
           </a:solidFill>
           <a:prstDash val="solid"/>
@@ -4121,9 +4115,9 @@
           <a:avLst/>
         </a:prstGeom>
         <a:solidFill>
-          <a:schemeClr val="accent1">
+          <a:schemeClr val="accent2">
             <a:alpha val="90000"/>
-            <a:tint val="55000"/>
+            <a:tint val="40000"/>
             <a:hueOff val="0"/>
             <a:satOff val="0"/>
             <a:lumOff val="0"/>
@@ -4132,9 +4126,9 @@
         </a:solidFill>
         <a:ln w="12700" cap="flat" cmpd="sng" algn="ctr">
           <a:solidFill>
-            <a:schemeClr val="accent1">
+            <a:schemeClr val="accent2">
               <a:alpha val="90000"/>
-              <a:tint val="55000"/>
+              <a:tint val="40000"/>
               <a:hueOff val="0"/>
               <a:satOff val="0"/>
               <a:lumOff val="0"/>
@@ -4204,36 +4198,36 @@
         <a:gradFill rotWithShape="0">
           <a:gsLst>
             <a:gs pos="0">
-              <a:schemeClr val="accent1">
-                <a:shade val="50000"/>
-                <a:hueOff val="393098"/>
-                <a:satOff val="-41319"/>
-                <a:lumOff val="35655"/>
-                <a:alphaOff val="0"/>
+              <a:schemeClr val="accent2">
+                <a:alpha val="90000"/>
+                <a:hueOff val="0"/>
+                <a:satOff val="0"/>
+                <a:lumOff val="0"/>
+                <a:alphaOff val="-32000"/>
                 <a:satMod val="103000"/>
                 <a:lumMod val="102000"/>
                 <a:tint val="94000"/>
               </a:schemeClr>
             </a:gs>
             <a:gs pos="50000">
-              <a:schemeClr val="accent1">
-                <a:shade val="50000"/>
-                <a:hueOff val="393098"/>
-                <a:satOff val="-41319"/>
-                <a:lumOff val="35655"/>
-                <a:alphaOff val="0"/>
+              <a:schemeClr val="accent2">
+                <a:alpha val="90000"/>
+                <a:hueOff val="0"/>
+                <a:satOff val="0"/>
+                <a:lumOff val="0"/>
+                <a:alphaOff val="-32000"/>
                 <a:satMod val="110000"/>
                 <a:lumMod val="100000"/>
                 <a:shade val="100000"/>
               </a:schemeClr>
             </a:gs>
             <a:gs pos="100000">
-              <a:schemeClr val="accent1">
-                <a:shade val="50000"/>
-                <a:hueOff val="393098"/>
-                <a:satOff val="-41319"/>
-                <a:lumOff val="35655"/>
-                <a:alphaOff val="0"/>
+              <a:schemeClr val="accent2">
+                <a:alpha val="90000"/>
+                <a:hueOff val="0"/>
+                <a:satOff val="0"/>
+                <a:lumOff val="0"/>
+                <a:alphaOff val="-32000"/>
                 <a:lumMod val="99000"/>
                 <a:satMod val="120000"/>
                 <a:shade val="78000"/>
@@ -4244,12 +4238,12 @@
         </a:gradFill>
         <a:ln w="12700" cap="flat" cmpd="sng" algn="ctr">
           <a:solidFill>
-            <a:schemeClr val="accent1">
-              <a:shade val="50000"/>
-              <a:hueOff val="393098"/>
-              <a:satOff val="-41319"/>
-              <a:lumOff val="35655"/>
-              <a:alphaOff val="0"/>
+            <a:schemeClr val="accent2">
+              <a:alpha val="90000"/>
+              <a:hueOff val="0"/>
+              <a:satOff val="0"/>
+              <a:lumOff val="0"/>
+              <a:alphaOff val="-32000"/>
             </a:schemeClr>
           </a:solidFill>
           <a:prstDash val="solid"/>
@@ -4321,9 +4315,9 @@
           <a:avLst/>
         </a:prstGeom>
         <a:solidFill>
-          <a:schemeClr val="accent1">
+          <a:schemeClr val="accent2">
             <a:alpha val="90000"/>
-            <a:tint val="55000"/>
+            <a:tint val="40000"/>
             <a:hueOff val="0"/>
             <a:satOff val="0"/>
             <a:lumOff val="0"/>
@@ -4332,9 +4326,9 @@
         </a:solidFill>
         <a:ln w="12700" cap="flat" cmpd="sng" algn="ctr">
           <a:solidFill>
-            <a:schemeClr val="accent1">
+            <a:schemeClr val="accent2">
               <a:alpha val="90000"/>
-              <a:tint val="55000"/>
+              <a:tint val="40000"/>
               <a:hueOff val="0"/>
               <a:satOff val="0"/>
               <a:lumOff val="0"/>
@@ -4404,36 +4398,36 @@
         <a:gradFill rotWithShape="0">
           <a:gsLst>
             <a:gs pos="0">
-              <a:schemeClr val="accent1">
-                <a:shade val="50000"/>
-                <a:hueOff val="196549"/>
-                <a:satOff val="-20659"/>
-                <a:lumOff val="17827"/>
-                <a:alphaOff val="0"/>
+              <a:schemeClr val="accent2">
+                <a:alpha val="90000"/>
+                <a:hueOff val="0"/>
+                <a:satOff val="0"/>
+                <a:lumOff val="0"/>
+                <a:alphaOff val="-40000"/>
                 <a:satMod val="103000"/>
                 <a:lumMod val="102000"/>
                 <a:tint val="94000"/>
               </a:schemeClr>
             </a:gs>
             <a:gs pos="50000">
-              <a:schemeClr val="accent1">
-                <a:shade val="50000"/>
-                <a:hueOff val="196549"/>
-                <a:satOff val="-20659"/>
-                <a:lumOff val="17827"/>
-                <a:alphaOff val="0"/>
+              <a:schemeClr val="accent2">
+                <a:alpha val="90000"/>
+                <a:hueOff val="0"/>
+                <a:satOff val="0"/>
+                <a:lumOff val="0"/>
+                <a:alphaOff val="-40000"/>
                 <a:satMod val="110000"/>
                 <a:lumMod val="100000"/>
                 <a:shade val="100000"/>
               </a:schemeClr>
             </a:gs>
             <a:gs pos="100000">
-              <a:schemeClr val="accent1">
-                <a:shade val="50000"/>
-                <a:hueOff val="196549"/>
-                <a:satOff val="-20659"/>
-                <a:lumOff val="17827"/>
-                <a:alphaOff val="0"/>
+              <a:schemeClr val="accent2">
+                <a:alpha val="90000"/>
+                <a:hueOff val="0"/>
+                <a:satOff val="0"/>
+                <a:lumOff val="0"/>
+                <a:alphaOff val="-40000"/>
                 <a:lumMod val="99000"/>
                 <a:satMod val="120000"/>
                 <a:shade val="78000"/>
@@ -4444,12 +4438,12 @@
         </a:gradFill>
         <a:ln w="12700" cap="flat" cmpd="sng" algn="ctr">
           <a:solidFill>
-            <a:schemeClr val="accent1">
-              <a:shade val="50000"/>
-              <a:hueOff val="196549"/>
-              <a:satOff val="-20659"/>
-              <a:lumOff val="17827"/>
-              <a:alphaOff val="0"/>
+            <a:schemeClr val="accent2">
+              <a:alpha val="90000"/>
+              <a:hueOff val="0"/>
+              <a:satOff val="0"/>
+              <a:lumOff val="0"/>
+              <a:alphaOff val="-40000"/>
             </a:schemeClr>
           </a:solidFill>
           <a:prstDash val="solid"/>
@@ -4936,11 +4930,11 @@
 </file>
 
 <file path=ppt/diagrams/quickStyle1.xml><?xml version="1.0" encoding="utf-8"?>
-<dgm:styleDef xmlns:dgm="http://schemas.openxmlformats.org/drawingml/2006/diagram" xmlns:a="http://schemas.openxmlformats.org/drawingml/2006/main" uniqueId="urn:microsoft.com/office/officeart/2005/8/quickstyle/simple1">
+<dgm:styleDef xmlns:dgm="http://schemas.openxmlformats.org/drawingml/2006/diagram" xmlns:a="http://schemas.openxmlformats.org/drawingml/2006/main" uniqueId="urn:microsoft.com/office/officeart/2005/8/quickstyle/simple5">
   <dgm:title val=""/>
   <dgm:desc val=""/>
   <dgm:catLst>
-    <dgm:cat type="simple" pri="10100"/>
+    <dgm:cat type="simple" pri="10500"/>
   </dgm:catLst>
   <dgm:scene3d>
     <a:camera prst="orthographicFront"/>
@@ -4954,13 +4948,13 @@
     <dgm:sp3d/>
     <dgm:txPr/>
     <dgm:style>
-      <a:lnRef idx="2">
+      <a:lnRef idx="0">
         <a:scrgbClr r="0" g="0" b="0"/>
       </a:lnRef>
-      <a:fillRef idx="1">
+      <a:fillRef idx="3">
         <a:scrgbClr r="0" g="0" b="0"/>
       </a:fillRef>
-      <a:effectRef idx="0">
+      <a:effectRef idx="3">
         <a:scrgbClr r="0" g="0" b="0"/>
       </a:effectRef>
       <a:fontRef idx="minor">
@@ -4976,13 +4970,13 @@
     <dgm:sp3d/>
     <dgm:txPr/>
     <dgm:style>
-      <a:lnRef idx="2">
+      <a:lnRef idx="0">
         <a:scrgbClr r="0" g="0" b="0"/>
       </a:lnRef>
-      <a:fillRef idx="1">
+      <a:fillRef idx="3">
         <a:scrgbClr r="0" g="0" b="0"/>
       </a:fillRef>
-      <a:effectRef idx="0">
+      <a:effectRef idx="3">
         <a:scrgbClr r="0" g="0" b="0"/>
       </a:effectRef>
       <a:fontRef idx="minor">
@@ -4998,13 +4992,13 @@
     <dgm:sp3d/>
     <dgm:txPr/>
     <dgm:style>
-      <a:lnRef idx="2">
+      <a:lnRef idx="0">
         <a:scrgbClr r="0" g="0" b="0"/>
       </a:lnRef>
-      <a:fillRef idx="1">
+      <a:fillRef idx="3">
         <a:scrgbClr r="0" g="0" b="0"/>
       </a:fillRef>
-      <a:effectRef idx="0">
+      <a:effectRef idx="3">
         <a:scrgbClr r="0" g="0" b="0"/>
       </a:effectRef>
       <a:fontRef idx="minor">
@@ -5020,13 +5014,13 @@
     <dgm:sp3d/>
     <dgm:txPr/>
     <dgm:style>
-      <a:lnRef idx="2">
+      <a:lnRef idx="1">
         <a:scrgbClr r="0" g="0" b="0"/>
       </a:lnRef>
-      <a:fillRef idx="1">
+      <a:fillRef idx="3">
         <a:scrgbClr r="0" g="0" b="0"/>
       </a:fillRef>
-      <a:effectRef idx="0">
+      <a:effectRef idx="3">
         <a:scrgbClr r="0" g="0" b="0"/>
       </a:effectRef>
       <a:fontRef idx="minor">
@@ -5042,13 +5036,13 @@
     <dgm:sp3d/>
     <dgm:txPr/>
     <dgm:style>
-      <a:lnRef idx="2">
+      <a:lnRef idx="0">
         <a:scrgbClr r="0" g="0" b="0"/>
       </a:lnRef>
-      <a:fillRef idx="1">
+      <a:fillRef idx="3">
         <a:scrgbClr r="0" g="0" b="0"/>
       </a:fillRef>
-      <a:effectRef idx="0">
+      <a:effectRef idx="3">
         <a:scrgbClr r="0" g="0" b="0"/>
       </a:effectRef>
       <a:fontRef idx="minor">
@@ -5064,13 +5058,13 @@
     <dgm:sp3d/>
     <dgm:txPr/>
     <dgm:style>
-      <a:lnRef idx="2">
+      <a:lnRef idx="0">
         <a:scrgbClr r="0" g="0" b="0"/>
       </a:lnRef>
-      <a:fillRef idx="1">
+      <a:fillRef idx="3">
         <a:scrgbClr r="0" g="0" b="0"/>
       </a:fillRef>
-      <a:effectRef idx="0">
+      <a:effectRef idx="3">
         <a:scrgbClr r="0" g="0" b="0"/>
       </a:effectRef>
       <a:fontRef idx="minor">
@@ -5086,13 +5080,13 @@
     <dgm:sp3d/>
     <dgm:txPr/>
     <dgm:style>
-      <a:lnRef idx="2">
+      <a:lnRef idx="0">
         <a:scrgbClr r="0" g="0" b="0"/>
       </a:lnRef>
-      <a:fillRef idx="1">
+      <a:fillRef idx="3">
         <a:scrgbClr r="0" g="0" b="0"/>
       </a:fillRef>
-      <a:effectRef idx="0">
+      <a:effectRef idx="3">
         <a:scrgbClr r="0" g="0" b="0"/>
       </a:effectRef>
       <a:fontRef idx="minor">
@@ -5108,13 +5102,13 @@
     <dgm:sp3d/>
     <dgm:txPr/>
     <dgm:style>
-      <a:lnRef idx="2">
+      <a:lnRef idx="0">
         <a:scrgbClr r="0" g="0" b="0"/>
       </a:lnRef>
-      <a:fillRef idx="1">
+      <a:fillRef idx="3">
         <a:scrgbClr r="0" g="0" b="0"/>
       </a:fillRef>
-      <a:effectRef idx="0">
+      <a:effectRef idx="3">
         <a:scrgbClr r="0" g="0" b="0"/>
       </a:effectRef>
       <a:fontRef idx="minor">
@@ -5130,13 +5124,13 @@
     <dgm:sp3d/>
     <dgm:txPr/>
     <dgm:style>
-      <a:lnRef idx="2">
+      <a:lnRef idx="0">
         <a:scrgbClr r="0" g="0" b="0"/>
       </a:lnRef>
       <a:fillRef idx="1">
         <a:scrgbClr r="0" g="0" b="0"/>
       </a:fillRef>
-      <a:effectRef idx="0">
+      <a:effectRef idx="3">
         <a:scrgbClr r="0" g="0" b="0"/>
       </a:effectRef>
       <a:fontRef idx="minor"/>
@@ -5150,13 +5144,13 @@
     <dgm:sp3d/>
     <dgm:txPr/>
     <dgm:style>
-      <a:lnRef idx="2">
+      <a:lnRef idx="0">
         <a:scrgbClr r="0" g="0" b="0"/>
       </a:lnRef>
       <a:fillRef idx="1">
         <a:scrgbClr r="0" g="0" b="0"/>
       </a:fillRef>
-      <a:effectRef idx="0">
+      <a:effectRef idx="3">
         <a:scrgbClr r="0" g="0" b="0"/>
       </a:effectRef>
       <a:fontRef idx="minor"/>
@@ -5170,13 +5164,13 @@
     <dgm:sp3d/>
     <dgm:txPr/>
     <dgm:style>
-      <a:lnRef idx="2">
+      <a:lnRef idx="0">
         <a:scrgbClr r="0" g="0" b="0"/>
       </a:lnRef>
       <a:fillRef idx="1">
         <a:scrgbClr r="0" g="0" b="0"/>
       </a:fillRef>
-      <a:effectRef idx="0">
+      <a:effectRef idx="3">
         <a:scrgbClr r="0" g="0" b="0"/>
       </a:effectRef>
       <a:fontRef idx="minor"/>
@@ -5193,10 +5187,10 @@
       <a:lnRef idx="0">
         <a:scrgbClr r="0" g="0" b="0"/>
       </a:lnRef>
-      <a:fillRef idx="1">
+      <a:fillRef idx="3">
         <a:scrgbClr r="0" g="0" b="0"/>
       </a:fillRef>
-      <a:effectRef idx="0">
+      <a:effectRef idx="3">
         <a:scrgbClr r="0" g="0" b="0"/>
       </a:effectRef>
       <a:fontRef idx="minor">
@@ -5215,10 +5209,10 @@
       <a:lnRef idx="0">
         <a:scrgbClr r="0" g="0" b="0"/>
       </a:lnRef>
-      <a:fillRef idx="1">
+      <a:fillRef idx="3">
         <a:scrgbClr r="0" g="0" b="0"/>
       </a:fillRef>
-      <a:effectRef idx="0">
+      <a:effectRef idx="3">
         <a:scrgbClr r="0" g="0" b="0"/>
       </a:effectRef>
       <a:fontRef idx="minor">
@@ -5237,10 +5231,10 @@
       <a:lnRef idx="0">
         <a:scrgbClr r="0" g="0" b="0"/>
       </a:lnRef>
-      <a:fillRef idx="1">
+      <a:fillRef idx="3">
         <a:scrgbClr r="0" g="0" b="0"/>
       </a:fillRef>
-      <a:effectRef idx="0">
+      <a:effectRef idx="3">
         <a:scrgbClr r="0" g="0" b="0"/>
       </a:effectRef>
       <a:fontRef idx="minor">
@@ -5276,13 +5270,13 @@
     <dgm:sp3d/>
     <dgm:txPr/>
     <dgm:style>
-      <a:lnRef idx="2">
+      <a:lnRef idx="1">
         <a:scrgbClr r="0" g="0" b="0"/>
       </a:lnRef>
-      <a:fillRef idx="1">
+      <a:fillRef idx="0">
         <a:scrgbClr r="0" g="0" b="0"/>
       </a:fillRef>
-      <a:effectRef idx="0">
+      <a:effectRef idx="1">
         <a:scrgbClr r="0" g="0" b="0"/>
       </a:effectRef>
       <a:fontRef idx="minor"/>
@@ -5296,13 +5290,13 @@
     <dgm:sp3d/>
     <dgm:txPr/>
     <dgm:style>
-      <a:lnRef idx="2">
+      <a:lnRef idx="0">
         <a:scrgbClr r="0" g="0" b="0"/>
       </a:lnRef>
-      <a:fillRef idx="1">
+      <a:fillRef idx="3">
         <a:scrgbClr r="0" g="0" b="0"/>
       </a:fillRef>
-      <a:effectRef idx="0">
+      <a:effectRef idx="3">
         <a:scrgbClr r="0" g="0" b="0"/>
       </a:effectRef>
       <a:fontRef idx="minor">
@@ -5318,13 +5312,13 @@
     <dgm:sp3d/>
     <dgm:txPr/>
     <dgm:style>
-      <a:lnRef idx="2">
+      <a:lnRef idx="0">
         <a:scrgbClr r="0" g="0" b="0"/>
       </a:lnRef>
-      <a:fillRef idx="1">
+      <a:fillRef idx="3">
         <a:scrgbClr r="0" g="0" b="0"/>
       </a:fillRef>
-      <a:effectRef idx="0">
+      <a:effectRef idx="3">
         <a:scrgbClr r="0" g="0" b="0"/>
       </a:effectRef>
       <a:fontRef idx="minor">
@@ -5340,13 +5334,13 @@
     <dgm:sp3d/>
     <dgm:txPr/>
     <dgm:style>
-      <a:lnRef idx="2">
+      <a:lnRef idx="0">
         <a:scrgbClr r="0" g="0" b="0"/>
       </a:lnRef>
-      <a:fillRef idx="1">
+      <a:fillRef idx="3">
         <a:scrgbClr r="0" g="0" b="0"/>
       </a:fillRef>
-      <a:effectRef idx="0">
+      <a:effectRef idx="3">
         <a:scrgbClr r="0" g="0" b="0"/>
       </a:effectRef>
       <a:fontRef idx="minor">
@@ -5362,13 +5356,13 @@
     <dgm:sp3d/>
     <dgm:txPr/>
     <dgm:style>
-      <a:lnRef idx="2">
+      <a:lnRef idx="0">
         <a:scrgbClr r="0" g="0" b="0"/>
       </a:lnRef>
-      <a:fillRef idx="1">
+      <a:fillRef idx="3">
         <a:scrgbClr r="0" g="0" b="0"/>
       </a:fillRef>
-      <a:effectRef idx="0">
+      <a:effectRef idx="3">
         <a:scrgbClr r="0" g="0" b="0"/>
       </a:effectRef>
       <a:fontRef idx="minor">
@@ -5384,13 +5378,13 @@
     <dgm:sp3d/>
     <dgm:txPr/>
     <dgm:style>
-      <a:lnRef idx="2">
+      <a:lnRef idx="0">
         <a:scrgbClr r="0" g="0" b="0"/>
       </a:lnRef>
-      <a:fillRef idx="1">
+      <a:fillRef idx="3">
         <a:scrgbClr r="0" g="0" b="0"/>
       </a:fillRef>
-      <a:effectRef idx="0">
+      <a:effectRef idx="3">
         <a:scrgbClr r="0" g="0" b="0"/>
       </a:effectRef>
       <a:fontRef idx="minor">
@@ -5406,13 +5400,13 @@
     <dgm:sp3d/>
     <dgm:txPr/>
     <dgm:style>
-      <a:lnRef idx="2">
+      <a:lnRef idx="0">
         <a:scrgbClr r="0" g="0" b="0"/>
       </a:lnRef>
-      <a:fillRef idx="1">
+      <a:fillRef idx="3">
         <a:scrgbClr r="0" g="0" b="0"/>
       </a:fillRef>
-      <a:effectRef idx="0">
+      <a:effectRef idx="3">
         <a:scrgbClr r="0" g="0" b="0"/>
       </a:effectRef>
       <a:fontRef idx="minor">
@@ -5428,13 +5422,13 @@
     <dgm:sp3d/>
     <dgm:txPr/>
     <dgm:style>
-      <a:lnRef idx="2">
+      <a:lnRef idx="0">
         <a:scrgbClr r="0" g="0" b="0"/>
       </a:lnRef>
-      <a:fillRef idx="1">
+      <a:fillRef idx="3">
         <a:scrgbClr r="0" g="0" b="0"/>
       </a:fillRef>
-      <a:effectRef idx="0">
+      <a:effectRef idx="3">
         <a:scrgbClr r="0" g="0" b="0"/>
       </a:effectRef>
       <a:fontRef idx="minor">
@@ -5450,13 +5444,13 @@
     <dgm:sp3d/>
     <dgm:txPr/>
     <dgm:style>
-      <a:lnRef idx="2">
+      <a:lnRef idx="0">
         <a:scrgbClr r="0" g="0" b="0"/>
       </a:lnRef>
-      <a:fillRef idx="1">
+      <a:fillRef idx="3">
         <a:scrgbClr r="0" g="0" b="0"/>
       </a:fillRef>
-      <a:effectRef idx="0">
+      <a:effectRef idx="3">
         <a:scrgbClr r="0" g="0" b="0"/>
       </a:effectRef>
       <a:fontRef idx="minor">
@@ -5472,13 +5466,13 @@
     <dgm:sp3d/>
     <dgm:txPr/>
     <dgm:style>
-      <a:lnRef idx="2">
+      <a:lnRef idx="0">
         <a:scrgbClr r="0" g="0" b="0"/>
       </a:lnRef>
-      <a:fillRef idx="1">
+      <a:fillRef idx="3">
         <a:scrgbClr r="0" g="0" b="0"/>
       </a:fillRef>
-      <a:effectRef idx="0">
+      <a:effectRef idx="3">
         <a:scrgbClr r="0" g="0" b="0"/>
       </a:effectRef>
       <a:fontRef idx="minor">
@@ -5574,13 +5568,13 @@
     <dgm:sp3d/>
     <dgm:txPr/>
     <dgm:style>
-      <a:lnRef idx="2">
+      <a:lnRef idx="1">
         <a:scrgbClr r="0" g="0" b="0"/>
       </a:lnRef>
       <a:fillRef idx="1">
         <a:scrgbClr r="0" g="0" b="0"/>
       </a:fillRef>
-      <a:effectRef idx="0">
+      <a:effectRef idx="2">
         <a:scrgbClr r="0" g="0" b="0"/>
       </a:effectRef>
       <a:fontRef idx="minor"/>
@@ -5594,13 +5588,13 @@
     <dgm:sp3d/>
     <dgm:txPr/>
     <dgm:style>
-      <a:lnRef idx="2">
+      <a:lnRef idx="1">
         <a:scrgbClr r="0" g="0" b="0"/>
       </a:lnRef>
       <a:fillRef idx="1">
         <a:scrgbClr r="0" g="0" b="0"/>
       </a:fillRef>
-      <a:effectRef idx="0">
+      <a:effectRef idx="2">
         <a:scrgbClr r="0" g="0" b="0"/>
       </a:effectRef>
       <a:fontRef idx="minor"/>
@@ -5614,13 +5608,13 @@
     <dgm:sp3d/>
     <dgm:txPr/>
     <dgm:style>
-      <a:lnRef idx="2">
+      <a:lnRef idx="1">
         <a:scrgbClr r="0" g="0" b="0"/>
       </a:lnRef>
       <a:fillRef idx="1">
         <a:scrgbClr r="0" g="0" b="0"/>
       </a:fillRef>
-      <a:effectRef idx="0">
+      <a:effectRef idx="2">
         <a:scrgbClr r="0" g="0" b="0"/>
       </a:effectRef>
       <a:fontRef idx="minor"/>
@@ -5654,13 +5648,13 @@
     <dgm:sp3d/>
     <dgm:txPr/>
     <dgm:style>
-      <a:lnRef idx="2">
+      <a:lnRef idx="1">
         <a:scrgbClr r="0" g="0" b="0"/>
       </a:lnRef>
       <a:fillRef idx="1">
         <a:scrgbClr r="0" g="0" b="0"/>
       </a:fillRef>
-      <a:effectRef idx="0">
+      <a:effectRef idx="2">
         <a:scrgbClr r="0" g="0" b="0"/>
       </a:effectRef>
       <a:fontRef idx="minor"/>
@@ -5674,13 +5668,13 @@
     <dgm:sp3d/>
     <dgm:txPr/>
     <dgm:style>
-      <a:lnRef idx="2">
+      <a:lnRef idx="1">
         <a:scrgbClr r="0" g="0" b="0"/>
       </a:lnRef>
       <a:fillRef idx="1">
         <a:scrgbClr r="0" g="0" b="0"/>
       </a:fillRef>
-      <a:effectRef idx="0">
+      <a:effectRef idx="2">
         <a:scrgbClr r="0" g="0" b="0"/>
       </a:effectRef>
       <a:fontRef idx="minor"/>
@@ -5694,13 +5688,13 @@
     <dgm:sp3d/>
     <dgm:txPr/>
     <dgm:style>
-      <a:lnRef idx="2">
+      <a:lnRef idx="1">
         <a:scrgbClr r="0" g="0" b="0"/>
       </a:lnRef>
       <a:fillRef idx="1">
         <a:scrgbClr r="0" g="0" b="0"/>
       </a:fillRef>
-      <a:effectRef idx="0">
+      <a:effectRef idx="3">
         <a:scrgbClr r="0" g="0" b="0"/>
       </a:effectRef>
       <a:fontRef idx="minor"/>
@@ -5714,13 +5708,13 @@
     <dgm:sp3d/>
     <dgm:txPr/>
     <dgm:style>
-      <a:lnRef idx="2">
+      <a:lnRef idx="1">
         <a:scrgbClr r="0" g="0" b="0"/>
       </a:lnRef>
       <a:fillRef idx="1">
         <a:scrgbClr r="0" g="0" b="0"/>
       </a:fillRef>
-      <a:effectRef idx="0">
+      <a:effectRef idx="3">
         <a:scrgbClr r="0" g="0" b="0"/>
       </a:effectRef>
       <a:fontRef idx="minor"/>
@@ -5734,13 +5728,13 @@
     <dgm:sp3d/>
     <dgm:txPr/>
     <dgm:style>
-      <a:lnRef idx="2">
+      <a:lnRef idx="1">
         <a:scrgbClr r="0" g="0" b="0"/>
       </a:lnRef>
       <a:fillRef idx="1">
         <a:scrgbClr r="0" g="0" b="0"/>
       </a:fillRef>
-      <a:effectRef idx="0">
+      <a:effectRef idx="2">
         <a:scrgbClr r="0" g="0" b="0"/>
       </a:effectRef>
       <a:fontRef idx="minor"/>
@@ -5754,13 +5748,13 @@
     <dgm:sp3d/>
     <dgm:txPr/>
     <dgm:style>
-      <a:lnRef idx="2">
+      <a:lnRef idx="1">
         <a:scrgbClr r="0" g="0" b="0"/>
       </a:lnRef>
       <a:fillRef idx="1">
         <a:scrgbClr r="0" g="0" b="0"/>
       </a:fillRef>
-      <a:effectRef idx="0">
+      <a:effectRef idx="2">
         <a:scrgbClr r="0" g="0" b="0"/>
       </a:effectRef>
       <a:fontRef idx="minor"/>
@@ -5774,13 +5768,13 @@
     <dgm:sp3d/>
     <dgm:txPr/>
     <dgm:style>
-      <a:lnRef idx="2">
+      <a:lnRef idx="1">
         <a:scrgbClr r="0" g="0" b="0"/>
       </a:lnRef>
       <a:fillRef idx="1">
         <a:scrgbClr r="0" g="0" b="0"/>
       </a:fillRef>
-      <a:effectRef idx="0">
+      <a:effectRef idx="2">
         <a:scrgbClr r="0" g="0" b="0"/>
       </a:effectRef>
       <a:fontRef idx="minor"/>
@@ -5794,13 +5788,13 @@
     <dgm:sp3d/>
     <dgm:txPr/>
     <dgm:style>
-      <a:lnRef idx="2">
+      <a:lnRef idx="1">
         <a:scrgbClr r="0" g="0" b="0"/>
       </a:lnRef>
       <a:fillRef idx="1">
         <a:scrgbClr r="0" g="0" b="0"/>
       </a:fillRef>
-      <a:effectRef idx="0">
+      <a:effectRef idx="2">
         <a:scrgbClr r="0" g="0" b="0"/>
       </a:effectRef>
       <a:fontRef idx="minor"/>
@@ -5814,13 +5808,13 @@
     <dgm:sp3d/>
     <dgm:txPr/>
     <dgm:style>
-      <a:lnRef idx="2">
+      <a:lnRef idx="1">
         <a:scrgbClr r="0" g="0" b="0"/>
       </a:lnRef>
       <a:fillRef idx="1">
         <a:scrgbClr r="0" g="0" b="0"/>
       </a:fillRef>
-      <a:effectRef idx="0">
+      <a:effectRef idx="2">
         <a:scrgbClr r="0" g="0" b="0"/>
       </a:effectRef>
       <a:fontRef idx="minor"/>
@@ -5834,13 +5828,13 @@
     <dgm:sp3d/>
     <dgm:txPr/>
     <dgm:style>
-      <a:lnRef idx="2">
+      <a:lnRef idx="1">
         <a:scrgbClr r="0" g="0" b="0"/>
       </a:lnRef>
       <a:fillRef idx="1">
         <a:scrgbClr r="0" g="0" b="0"/>
       </a:fillRef>
-      <a:effectRef idx="0">
+      <a:effectRef idx="2">
         <a:scrgbClr r="0" g="0" b="0"/>
       </a:effectRef>
       <a:fontRef idx="minor"/>
@@ -5854,13 +5848,13 @@
     <dgm:sp3d/>
     <dgm:txPr/>
     <dgm:style>
-      <a:lnRef idx="2">
+      <a:lnRef idx="1">
         <a:scrgbClr r="0" g="0" b="0"/>
       </a:lnRef>
       <a:fillRef idx="1">
         <a:scrgbClr r="0" g="0" b="0"/>
       </a:fillRef>
-      <a:effectRef idx="0">
+      <a:effectRef idx="2">
         <a:scrgbClr r="0" g="0" b="0"/>
       </a:effectRef>
       <a:fontRef idx="minor"/>
@@ -5880,7 +5874,7 @@
       <a:fillRef idx="1">
         <a:scrgbClr r="0" g="0" b="0"/>
       </a:fillRef>
-      <a:effectRef idx="0">
+      <a:effectRef idx="2">
         <a:scrgbClr r="0" g="0" b="0"/>
       </a:effectRef>
       <a:fontRef idx="minor"/>
@@ -5900,7 +5894,7 @@
       <a:fillRef idx="1">
         <a:scrgbClr r="0" g="0" b="0"/>
       </a:fillRef>
-      <a:effectRef idx="0">
+      <a:effectRef idx="3">
         <a:scrgbClr r="0" g="0" b="0"/>
       </a:effectRef>
       <a:fontRef idx="minor"/>
@@ -5934,13 +5928,13 @@
     <dgm:sp3d/>
     <dgm:txPr/>
     <dgm:style>
-      <a:lnRef idx="2">
+      <a:lnRef idx="0">
         <a:scrgbClr r="0" g="0" b="0"/>
       </a:lnRef>
-      <a:fillRef idx="1">
+      <a:fillRef idx="3">
         <a:scrgbClr r="0" g="0" b="0"/>
       </a:fillRef>
-      <a:effectRef idx="0">
+      <a:effectRef idx="3">
         <a:scrgbClr r="0" g="0" b="0"/>
       </a:effectRef>
       <a:fontRef idx="minor"/>
@@ -10488,7 +10482,7 @@
         </p:nvSpPr>
         <p:spPr>
           <a:xfrm>
-            <a:off x="762000" y="1137434"/>
+            <a:off x="374734" y="0"/>
             <a:ext cx="7800660" cy="1520987"/>
           </a:xfrm>
         </p:spPr>
@@ -10642,6 +10636,36 @@
           </a:fontRef>
         </p:style>
       </p:cxnSp>
+      <p:pic>
+        <p:nvPicPr>
+          <p:cNvPr id="4" name="Picture 3" descr="A red and black background with circles and dots&#10;&#10;Description automatically generated">
+            <a:extLst>
+              <a:ext uri="{FF2B5EF4-FFF2-40B4-BE49-F238E27FC236}">
+                <a16:creationId xmlns:a16="http://schemas.microsoft.com/office/drawing/2014/main" id="{E653F295-C9DE-4549-D368-A196FA1E2A8C}"/>
+              </a:ext>
+            </a:extLst>
+          </p:cNvPr>
+          <p:cNvPicPr>
+            <a:picLocks noChangeAspect="1"/>
+          </p:cNvPicPr>
+          <p:nvPr/>
+        </p:nvPicPr>
+        <p:blipFill>
+          <a:blip r:embed="rId3"/>
+          <a:stretch>
+            <a:fillRect/>
+          </a:stretch>
+        </p:blipFill>
+        <p:spPr>
+          <a:xfrm>
+            <a:off x="0" y="0"/>
+            <a:ext cx="365125" cy="365125"/>
+          </a:xfrm>
+          <a:prstGeom prst="rect">
+            <a:avLst/>
+          </a:prstGeom>
+        </p:spPr>
+      </p:pic>
     </p:spTree>
     <p:extLst>
       <p:ext uri="{BB962C8B-B14F-4D97-AF65-F5344CB8AC3E}">
@@ -10688,7 +10712,12 @@
             <p:ph type="title"/>
           </p:nvPr>
         </p:nvSpPr>
-        <p:spPr/>
+        <p:spPr>
+          <a:xfrm>
+            <a:off x="360177" y="18255"/>
+            <a:ext cx="10515600" cy="1325563"/>
+          </a:xfrm>
+        </p:spPr>
         <p:txBody>
           <a:bodyPr/>
           <a:lstStyle/>
@@ -10801,6 +10830,36 @@
           </a:p>
         </p:txBody>
       </p:sp>
+      <p:pic>
+        <p:nvPicPr>
+          <p:cNvPr id="4" name="Picture 3" descr="A red and black background with circles and dots&#10;&#10;Description automatically generated">
+            <a:extLst>
+              <a:ext uri="{FF2B5EF4-FFF2-40B4-BE49-F238E27FC236}">
+                <a16:creationId xmlns:a16="http://schemas.microsoft.com/office/drawing/2014/main" id="{5EC83D3C-3D06-AF07-8546-5BF9ADB57037}"/>
+              </a:ext>
+            </a:extLst>
+          </p:cNvPr>
+          <p:cNvPicPr>
+            <a:picLocks noChangeAspect="1"/>
+          </p:cNvPicPr>
+          <p:nvPr/>
+        </p:nvPicPr>
+        <p:blipFill>
+          <a:blip r:embed="rId2"/>
+          <a:stretch>
+            <a:fillRect/>
+          </a:stretch>
+        </p:blipFill>
+        <p:spPr>
+          <a:xfrm>
+            <a:off x="0" y="0"/>
+            <a:ext cx="365125" cy="365125"/>
+          </a:xfrm>
+          <a:prstGeom prst="rect">
+            <a:avLst/>
+          </a:prstGeom>
+        </p:spPr>
+      </p:pic>
     </p:spTree>
     <p:extLst>
       <p:ext uri="{BB962C8B-B14F-4D97-AF65-F5344CB8AC3E}">
@@ -10847,16 +10906,20 @@
             <p:ph type="title"/>
           </p:nvPr>
         </p:nvSpPr>
-        <p:spPr/>
+        <p:spPr>
+          <a:xfrm>
+            <a:off x="365125" y="0"/>
+            <a:ext cx="10515600" cy="1325563"/>
+          </a:xfrm>
+        </p:spPr>
         <p:txBody>
           <a:bodyPr/>
           <a:lstStyle/>
           <a:p>
             <a:r>
-              <a:rPr lang="en-GB"/>
+              <a:rPr lang="en-GB" dirty="0"/>
               <a:t>Solution</a:t>
             </a:r>
-            <a:endParaRPr lang="en-GB" dirty="0"/>
           </a:p>
         </p:txBody>
       </p:sp>
@@ -10876,7 +10939,7 @@
             <p:ph idx="1"/>
             <p:extLst>
               <p:ext uri="{D42A27DB-BD31-4B8C-83A1-F6EECF244321}">
-                <p14:modId xmlns:p14="http://schemas.microsoft.com/office/powerpoint/2010/main" val="1429898107"/>
+                <p14:modId xmlns:p14="http://schemas.microsoft.com/office/powerpoint/2010/main" val="898684255"/>
               </p:ext>
             </p:extLst>
           </p:nvPr>
@@ -10891,6 +10954,71 @@
           </a:graphicData>
         </a:graphic>
       </p:graphicFrame>
+      <p:pic>
+        <p:nvPicPr>
+          <p:cNvPr id="4" name="Picture 3" descr="A red and black background with circles and dots&#10;&#10;Description automatically generated">
+            <a:extLst>
+              <a:ext uri="{FF2B5EF4-FFF2-40B4-BE49-F238E27FC236}">
+                <a16:creationId xmlns:a16="http://schemas.microsoft.com/office/drawing/2014/main" id="{9A8EF6A6-8BB5-ED5F-1621-F2672C222472}"/>
+              </a:ext>
+            </a:extLst>
+          </p:cNvPr>
+          <p:cNvPicPr>
+            <a:picLocks noChangeAspect="1"/>
+          </p:cNvPicPr>
+          <p:nvPr/>
+        </p:nvPicPr>
+        <p:blipFill>
+          <a:blip r:embed="rId7"/>
+          <a:stretch>
+            <a:fillRect/>
+          </a:stretch>
+        </p:blipFill>
+        <p:spPr>
+          <a:xfrm>
+            <a:off x="0" y="0"/>
+            <a:ext cx="365125" cy="365125"/>
+          </a:xfrm>
+          <a:prstGeom prst="rect">
+            <a:avLst/>
+          </a:prstGeom>
+        </p:spPr>
+      </p:pic>
+      <p:sp>
+        <p:nvSpPr>
+          <p:cNvPr id="27" name="TextBox 26">
+            <a:extLst>
+              <a:ext uri="{FF2B5EF4-FFF2-40B4-BE49-F238E27FC236}">
+                <a16:creationId xmlns:a16="http://schemas.microsoft.com/office/drawing/2014/main" id="{7D8C997F-FF1F-51A2-B67A-CC7A978EB627}"/>
+              </a:ext>
+            </a:extLst>
+          </p:cNvPr>
+          <p:cNvSpPr txBox="1"/>
+          <p:nvPr/>
+        </p:nvSpPr>
+        <p:spPr>
+          <a:xfrm>
+            <a:off x="365125" y="1130458"/>
+            <a:ext cx="10988674" cy="1477328"/>
+          </a:xfrm>
+          <a:prstGeom prst="rect">
+            <a:avLst/>
+          </a:prstGeom>
+          <a:noFill/>
+        </p:spPr>
+        <p:txBody>
+          <a:bodyPr wrap="square" rtlCol="0">
+            <a:spAutoFit/>
+          </a:bodyPr>
+          <a:lstStyle/>
+          <a:p>
+            <a:r>
+              <a:rPr lang="en-GB" dirty="0"/>
+              <a:t>We provide physical infrastructure, with an optimisation for inference (e.g. higher end GPUs), we then provide AI models specifically designed for customer’s sector and proprietary data. After the handover, the customer maintain full control over privacy and compliance. With an intuitive interface and flexible architecture, it delivers enterprise-grade AI speed and consistency without the complexity, cost, or cloud dependency, this making powerful automation accessible, secure, and tailored to each business’s unique needs.</a:t>
+            </a:r>
+          </a:p>
+        </p:txBody>
+      </p:sp>
     </p:spTree>
     <p:extLst>
       <p:ext uri="{BB962C8B-B14F-4D97-AF65-F5344CB8AC3E}">
@@ -10937,7 +11065,12 @@
             <p:ph type="title"/>
           </p:nvPr>
         </p:nvSpPr>
-        <p:spPr/>
+        <p:spPr>
+          <a:xfrm>
+            <a:off x="365125" y="0"/>
+            <a:ext cx="10515600" cy="1325563"/>
+          </a:xfrm>
+        </p:spPr>
         <p:txBody>
           <a:bodyPr/>
           <a:lstStyle/>
@@ -10969,6 +11102,12 @@
           <a:prstGeom prst="ellipse">
             <a:avLst/>
           </a:prstGeom>
+          <a:solidFill>
+            <a:srgbClr val="E97132"/>
+          </a:solidFill>
+          <a:ln>
+            <a:noFill/>
+          </a:ln>
         </p:spPr>
         <p:style>
           <a:lnRef idx="2">
@@ -11018,6 +11157,12 @@
           <a:prstGeom prst="ellipse">
             <a:avLst/>
           </a:prstGeom>
+          <a:solidFill>
+            <a:srgbClr val="E97132"/>
+          </a:solidFill>
+          <a:ln>
+            <a:noFill/>
+          </a:ln>
         </p:spPr>
         <p:style>
           <a:lnRef idx="2">
@@ -11067,6 +11212,12 @@
           <a:prstGeom prst="ellipse">
             <a:avLst/>
           </a:prstGeom>
+          <a:solidFill>
+            <a:srgbClr val="E97132"/>
+          </a:solidFill>
+          <a:ln>
+            <a:noFill/>
+          </a:ln>
         </p:spPr>
         <p:style>
           <a:lnRef idx="2">
@@ -11271,6 +11422,36 @@
           </a:p>
         </p:txBody>
       </p:sp>
+      <p:pic>
+        <p:nvPicPr>
+          <p:cNvPr id="14" name="Picture 13" descr="A red and black background with circles and dots&#10;&#10;Description automatically generated">
+            <a:extLst>
+              <a:ext uri="{FF2B5EF4-FFF2-40B4-BE49-F238E27FC236}">
+                <a16:creationId xmlns:a16="http://schemas.microsoft.com/office/drawing/2014/main" id="{B0C46AED-5362-14FB-353C-59230254FDEA}"/>
+              </a:ext>
+            </a:extLst>
+          </p:cNvPr>
+          <p:cNvPicPr>
+            <a:picLocks noChangeAspect="1"/>
+          </p:cNvPicPr>
+          <p:nvPr/>
+        </p:nvPicPr>
+        <p:blipFill>
+          <a:blip r:embed="rId2"/>
+          <a:stretch>
+            <a:fillRect/>
+          </a:stretch>
+        </p:blipFill>
+        <p:spPr>
+          <a:xfrm>
+            <a:off x="0" y="0"/>
+            <a:ext cx="365125" cy="365125"/>
+          </a:xfrm>
+          <a:prstGeom prst="rect">
+            <a:avLst/>
+          </a:prstGeom>
+        </p:spPr>
+      </p:pic>
     </p:spTree>
     <p:extLst>
       <p:ext uri="{BB962C8B-B14F-4D97-AF65-F5344CB8AC3E}">
@@ -11317,7 +11498,12 @@
             <p:ph type="title"/>
           </p:nvPr>
         </p:nvSpPr>
-        <p:spPr/>
+        <p:spPr>
+          <a:xfrm>
+            <a:off x="365125" y="0"/>
+            <a:ext cx="10515600" cy="1325563"/>
+          </a:xfrm>
+        </p:spPr>
         <p:txBody>
           <a:bodyPr/>
           <a:lstStyle/>
@@ -11509,6 +11695,71 @@
           </a:prstGeom>
         </p:spPr>
       </p:pic>
+      <p:pic>
+        <p:nvPicPr>
+          <p:cNvPr id="12" name="Picture 11" descr="A red and black background with circles and dots&#10;&#10;Description automatically generated">
+            <a:extLst>
+              <a:ext uri="{FF2B5EF4-FFF2-40B4-BE49-F238E27FC236}">
+                <a16:creationId xmlns:a16="http://schemas.microsoft.com/office/drawing/2014/main" id="{532BCA68-496E-ABC6-A1A7-39B0798E1AC6}"/>
+              </a:ext>
+            </a:extLst>
+          </p:cNvPr>
+          <p:cNvPicPr>
+            <a:picLocks noChangeAspect="1"/>
+          </p:cNvPicPr>
+          <p:nvPr/>
+        </p:nvPicPr>
+        <p:blipFill>
+          <a:blip r:embed="rId10"/>
+          <a:stretch>
+            <a:fillRect/>
+          </a:stretch>
+        </p:blipFill>
+        <p:spPr>
+          <a:xfrm>
+            <a:off x="0" y="0"/>
+            <a:ext cx="365125" cy="365125"/>
+          </a:xfrm>
+          <a:prstGeom prst="rect">
+            <a:avLst/>
+          </a:prstGeom>
+        </p:spPr>
+      </p:pic>
+      <p:sp>
+        <p:nvSpPr>
+          <p:cNvPr id="13" name="TextBox 12">
+            <a:extLst>
+              <a:ext uri="{FF2B5EF4-FFF2-40B4-BE49-F238E27FC236}">
+                <a16:creationId xmlns:a16="http://schemas.microsoft.com/office/drawing/2014/main" id="{A3F0DFF5-35E5-00C1-185A-C6383ED8CCDC}"/>
+              </a:ext>
+            </a:extLst>
+          </p:cNvPr>
+          <p:cNvSpPr txBox="1"/>
+          <p:nvPr/>
+        </p:nvSpPr>
+        <p:spPr>
+          <a:xfrm>
+            <a:off x="921327" y="5058888"/>
+            <a:ext cx="10349346" cy="1477328"/>
+          </a:xfrm>
+          <a:prstGeom prst="rect">
+            <a:avLst/>
+          </a:prstGeom>
+          <a:noFill/>
+        </p:spPr>
+        <p:txBody>
+          <a:bodyPr wrap="square" rtlCol="0">
+            <a:spAutoFit/>
+          </a:bodyPr>
+          <a:lstStyle/>
+          <a:p>
+            <a:r>
+              <a:rPr lang="en-GB" dirty="0"/>
+              <a:t>Alternative to other services, we provide a tailor-made solution, after a customer requests a proposal, we give them an automatic estimated quote. If the customer then goes ahead, we initiate our onboarding process which includes scheduled meetings, data transfers and refinement. We then deploy on their premises, which it would be fully in their domain, with an option to have a yearly service contract.</a:t>
+            </a:r>
+          </a:p>
+        </p:txBody>
+      </p:sp>
     </p:spTree>
     <p:extLst>
       <p:ext uri="{BB962C8B-B14F-4D97-AF65-F5344CB8AC3E}">
@@ -11555,7 +11806,12 @@
             <p:ph type="title"/>
           </p:nvPr>
         </p:nvSpPr>
-        <p:spPr/>
+        <p:spPr>
+          <a:xfrm>
+            <a:off x="365125" y="-1601"/>
+            <a:ext cx="10515600" cy="1325563"/>
+          </a:xfrm>
+        </p:spPr>
         <p:txBody>
           <a:bodyPr/>
           <a:lstStyle/>
@@ -11618,6 +11874,12 @@
           <a:prstGeom prst="ellipse">
             <a:avLst/>
           </a:prstGeom>
+          <a:solidFill>
+            <a:srgbClr val="E97132"/>
+          </a:solidFill>
+          <a:ln>
+            <a:noFill/>
+          </a:ln>
         </p:spPr>
         <p:style>
           <a:lnRef idx="2">
@@ -11655,7 +11917,7 @@
                   </a:schemeClr>
                 </a:solidFill>
               </a:rPr>
-              <a:t>UK SMB Customers</a:t>
+              <a:t>SMB Customers</a:t>
             </a:r>
           </a:p>
         </p:txBody>
@@ -11675,7 +11937,7 @@
         <p:spPr>
           <a:xfrm>
             <a:off x="838200" y="5371241"/>
-            <a:ext cx="2160000" cy="646331"/>
+            <a:ext cx="2160000" cy="1200329"/>
           </a:xfrm>
           <a:prstGeom prst="rect">
             <a:avLst/>
@@ -11691,7 +11953,7 @@
             <a:pPr algn="ctr"/>
             <a:r>
               <a:rPr lang="en-GB" dirty="0"/>
-              <a:t>HPC’s with </a:t>
+              <a:t>High Performance Computers with </a:t>
             </a:r>
             <a:r>
               <a:rPr lang="en-GB" dirty="0" err="1"/>
@@ -11957,6 +12219,36 @@
           </a:p>
         </p:txBody>
       </p:sp>
+      <p:pic>
+        <p:nvPicPr>
+          <p:cNvPr id="16" name="Picture 15" descr="A red and black background with circles and dots&#10;&#10;Description automatically generated">
+            <a:extLst>
+              <a:ext uri="{FF2B5EF4-FFF2-40B4-BE49-F238E27FC236}">
+                <a16:creationId xmlns:a16="http://schemas.microsoft.com/office/drawing/2014/main" id="{E88BD86D-1EBC-17B0-6074-D29083A368D8}"/>
+              </a:ext>
+            </a:extLst>
+          </p:cNvPr>
+          <p:cNvPicPr>
+            <a:picLocks noChangeAspect="1"/>
+          </p:cNvPicPr>
+          <p:nvPr/>
+        </p:nvPicPr>
+        <p:blipFill>
+          <a:blip r:embed="rId4"/>
+          <a:stretch>
+            <a:fillRect/>
+          </a:stretch>
+        </p:blipFill>
+        <p:spPr>
+          <a:xfrm>
+            <a:off x="0" y="0"/>
+            <a:ext cx="365125" cy="365125"/>
+          </a:xfrm>
+          <a:prstGeom prst="rect">
+            <a:avLst/>
+          </a:prstGeom>
+        </p:spPr>
+      </p:pic>
     </p:spTree>
     <p:extLst>
       <p:ext uri="{BB962C8B-B14F-4D97-AF65-F5344CB8AC3E}">
@@ -12003,7 +12295,12 @@
             <p:ph type="title"/>
           </p:nvPr>
         </p:nvSpPr>
-        <p:spPr/>
+        <p:spPr>
+          <a:xfrm>
+            <a:off x="365125" y="0"/>
+            <a:ext cx="10515600" cy="1325563"/>
+          </a:xfrm>
+        </p:spPr>
         <p:txBody>
           <a:bodyPr/>
           <a:lstStyle/>
@@ -12672,6 +12969,36 @@
           </a:p>
         </p:txBody>
       </p:sp>
+      <p:pic>
+        <p:nvPicPr>
+          <p:cNvPr id="6" name="Picture 5" descr="A red and black background with circles and dots&#10;&#10;Description automatically generated">
+            <a:extLst>
+              <a:ext uri="{FF2B5EF4-FFF2-40B4-BE49-F238E27FC236}">
+                <a16:creationId xmlns:a16="http://schemas.microsoft.com/office/drawing/2014/main" id="{0D198222-767A-9396-FA05-A662D476E8D1}"/>
+              </a:ext>
+            </a:extLst>
+          </p:cNvPr>
+          <p:cNvPicPr>
+            <a:picLocks noChangeAspect="1"/>
+          </p:cNvPicPr>
+          <p:nvPr/>
+        </p:nvPicPr>
+        <p:blipFill>
+          <a:blip r:embed="rId2"/>
+          <a:stretch>
+            <a:fillRect/>
+          </a:stretch>
+        </p:blipFill>
+        <p:spPr>
+          <a:xfrm>
+            <a:off x="0" y="0"/>
+            <a:ext cx="365125" cy="365125"/>
+          </a:xfrm>
+          <a:prstGeom prst="rect">
+            <a:avLst/>
+          </a:prstGeom>
+        </p:spPr>
+      </p:pic>
     </p:spTree>
     <p:extLst>
       <p:ext uri="{BB962C8B-B14F-4D97-AF65-F5344CB8AC3E}">
@@ -12720,7 +13047,7 @@
         </p:nvSpPr>
         <p:spPr>
           <a:xfrm>
-            <a:off x="736396" y="111815"/>
+            <a:off x="365125" y="-902"/>
             <a:ext cx="10515600" cy="1325563"/>
           </a:xfrm>
         </p:spPr>
@@ -13840,6 +14167,36 @@
           <a:xfrm>
             <a:off x="3037376" y="3741386"/>
             <a:ext cx="583981" cy="583981"/>
+          </a:xfrm>
+          <a:prstGeom prst="rect">
+            <a:avLst/>
+          </a:prstGeom>
+        </p:spPr>
+      </p:pic>
+      <p:pic>
+        <p:nvPicPr>
+          <p:cNvPr id="20" name="Picture 19" descr="A red and black background with circles and dots&#10;&#10;Description automatically generated">
+            <a:extLst>
+              <a:ext uri="{FF2B5EF4-FFF2-40B4-BE49-F238E27FC236}">
+                <a16:creationId xmlns:a16="http://schemas.microsoft.com/office/drawing/2014/main" id="{AA57CFD6-1707-64F6-14F1-7E34D97EF57A}"/>
+              </a:ext>
+            </a:extLst>
+          </p:cNvPr>
+          <p:cNvPicPr>
+            <a:picLocks noChangeAspect="1"/>
+          </p:cNvPicPr>
+          <p:nvPr/>
+        </p:nvPicPr>
+        <p:blipFill>
+          <a:blip r:embed="rId19"/>
+          <a:stretch>
+            <a:fillRect/>
+          </a:stretch>
+        </p:blipFill>
+        <p:spPr>
+          <a:xfrm>
+            <a:off x="0" y="0"/>
+            <a:ext cx="365125" cy="365125"/>
           </a:xfrm>
           <a:prstGeom prst="rect">
             <a:avLst/>
@@ -13902,7 +14259,7 @@
         </p:nvSpPr>
         <p:spPr>
           <a:xfrm>
-            <a:off x="838200" y="365125"/>
+            <a:off x="365125" y="0"/>
             <a:ext cx="10515600" cy="1325563"/>
           </a:xfrm>
         </p:spPr>
@@ -13939,7 +14296,7 @@
             <p:ph idx="1"/>
             <p:extLst>
               <p:ext uri="{D42A27DB-BD31-4B8C-83A1-F6EECF244321}">
-                <p14:modId xmlns:p14="http://schemas.microsoft.com/office/powerpoint/2010/main" val="2704672163"/>
+                <p14:modId xmlns:p14="http://schemas.microsoft.com/office/powerpoint/2010/main" val="893758875"/>
               </p:ext>
             </p:extLst>
           </p:nvPr>
@@ -13954,6 +14311,36 @@
           </a:graphicData>
         </a:graphic>
       </p:graphicFrame>
+      <p:pic>
+        <p:nvPicPr>
+          <p:cNvPr id="4" name="Picture 3" descr="A red and black background with circles and dots&#10;&#10;Description automatically generated">
+            <a:extLst>
+              <a:ext uri="{FF2B5EF4-FFF2-40B4-BE49-F238E27FC236}">
+                <a16:creationId xmlns:a16="http://schemas.microsoft.com/office/drawing/2014/main" id="{1C571735-D02B-61AB-4F32-A82B40BCBC9B}"/>
+              </a:ext>
+            </a:extLst>
+          </p:cNvPr>
+          <p:cNvPicPr>
+            <a:picLocks noChangeAspect="1"/>
+          </p:cNvPicPr>
+          <p:nvPr/>
+        </p:nvPicPr>
+        <p:blipFill>
+          <a:blip r:embed="rId7"/>
+          <a:stretch>
+            <a:fillRect/>
+          </a:stretch>
+        </p:blipFill>
+        <p:spPr>
+          <a:xfrm>
+            <a:off x="0" y="0"/>
+            <a:ext cx="365125" cy="365125"/>
+          </a:xfrm>
+          <a:prstGeom prst="rect">
+            <a:avLst/>
+          </a:prstGeom>
+        </p:spPr>
+      </p:pic>
     </p:spTree>
     <p:extLst>
       <p:ext uri="{BB962C8B-B14F-4D97-AF65-F5344CB8AC3E}">

--- a/src/assets/deck/Corexa Pitch Deck.pptx
+++ b/src/assets/deck/Corexa Pitch Deck.pptx
@@ -10240,7 +10240,7 @@
             <a:r>
               <a:rPr lang="en-GB" dirty="0">
                 <a:solidFill>
-                  <a:srgbClr val="E5AC02"/>
+                  <a:srgbClr val="E97132"/>
                 </a:solidFill>
                 <a:latin typeface="BM DoHyeon OTF" panose="020B0600000101010101" pitchFamily="34" charset="-127"/>
                 <a:ea typeface="BM DoHyeon OTF" panose="020B0600000101010101" pitchFamily="34" charset="-127"/>
@@ -10274,7 +10274,7 @@
             <a:r>
               <a:rPr lang="en-GB" dirty="0">
                 <a:solidFill>
-                  <a:srgbClr val="E5AC02"/>
+                  <a:srgbClr val="E97132"/>
                 </a:solidFill>
               </a:rPr>
               <a:t>Private. Powerful. AI for Every Business.</a:t>
@@ -14039,7 +14039,7 @@
             <a:r>
               <a:rPr lang="en-GB" dirty="0">
                 <a:solidFill>
-                  <a:srgbClr val="E5AC02"/>
+                  <a:srgbClr val="E97132"/>
                 </a:solidFill>
                 <a:latin typeface="BM DoHyeon OTF" panose="020B0600000101010101" pitchFamily="34" charset="-127"/>
                 <a:ea typeface="BM DoHyeon OTF" panose="020B0600000101010101" pitchFamily="34" charset="-127"/>
